--- a/ref/00.architect/04. install guide(설치 가이드).pptx
+++ b/ref/00.architect/04. install guide(설치 가이드).pptx
@@ -5,7 +5,7 @@
     <p:sldMasterId id="2147483648" r:id="rId1"/>
   </p:sldMasterIdLst>
   <p:notesMasterIdLst>
-    <p:notesMasterId r:id="rId13"/>
+    <p:notesMasterId r:id="rId18"/>
   </p:notesMasterIdLst>
   <p:sldIdLst>
     <p:sldId id="283" r:id="rId2"/>
@@ -16,9 +16,14 @@
     <p:sldId id="327" r:id="rId7"/>
     <p:sldId id="328" r:id="rId8"/>
     <p:sldId id="329" r:id="rId9"/>
-    <p:sldId id="325" r:id="rId10"/>
-    <p:sldId id="326" r:id="rId11"/>
-    <p:sldId id="324" r:id="rId12"/>
+    <p:sldId id="330" r:id="rId10"/>
+    <p:sldId id="331" r:id="rId11"/>
+    <p:sldId id="325" r:id="rId12"/>
+    <p:sldId id="326" r:id="rId13"/>
+    <p:sldId id="332" r:id="rId14"/>
+    <p:sldId id="333" r:id="rId15"/>
+    <p:sldId id="324" r:id="rId16"/>
+    <p:sldId id="334" r:id="rId17"/>
   </p:sldIdLst>
   <p:sldSz cx="12192000" cy="6858000"/>
   <p:notesSz cx="9144000" cy="6858000"/>
@@ -119,10 +124,10 @@
   </p:defaultTextStyle>
   <p:extLst>
     <p:ext uri="{EFAFB233-063F-42B5-8137-9DF3F51BA10A}">
-      <p15:sldGuideLst xmlns:p15="http://schemas.microsoft.com/office/powerpoint/2012/main" xmlns=""/>
+      <p15:sldGuideLst xmlns="" xmlns:p15="http://schemas.microsoft.com/office/powerpoint/2012/main"/>
     </p:ext>
     <p:ext uri="{2D200454-40CA-4A62-9FC3-DE9A4176ACB9}">
-      <p15:notesGuideLst xmlns:p15="http://schemas.microsoft.com/office/powerpoint/2012/main" xmlns=""/>
+      <p15:notesGuideLst xmlns="" xmlns:p15="http://schemas.microsoft.com/office/powerpoint/2012/main"/>
     </p:ext>
   </p:extLst>
 </p:presentation>
@@ -1612,15 +1617,7 @@
           <a:p>
             <a:r>
               <a:rPr lang="en-US" altLang="ko-KR" sz="4800" b="1" baseline="0" smtClean="0"/>
-              <a:t> </a:t>
-            </a:r>
-            <a:r>
-              <a:rPr lang="en-US" altLang="ko-KR" sz="4800" b="1" baseline="0" smtClean="0"/>
-              <a:t>install </a:t>
-            </a:r>
-            <a:r>
-              <a:rPr lang="en-US" altLang="ko-KR" sz="4800" b="1" baseline="0" smtClean="0"/>
-              <a:t>guide</a:t>
+              <a:t> install guide</a:t>
             </a:r>
           </a:p>
           <a:p>
@@ -4332,33 +4329,200 @@
           <a:p>
             <a:r>
               <a:rPr lang="en-US" altLang="ko-KR" smtClean="0"/>
-              <a:t>4. CI </a:t>
+              <a:t>2.5 </a:t>
+            </a:r>
+            <a:r>
+              <a:rPr lang="en-US" altLang="ko-KR"/>
+              <a:t>CI</a:t>
+            </a:r>
+            <a:r>
+              <a:rPr lang="ko-KR" altLang="en-US"/>
+              <a:t>용 </a:t>
+            </a:r>
+            <a:r>
+              <a:rPr lang="ko-KR" altLang="en-US"/>
+              <a:t>계정을 </a:t>
             </a:r>
             <a:r>
               <a:rPr lang="ko-KR" altLang="en-US" smtClean="0"/>
-              <a:t>설정</a:t>
+              <a:t>생성한다</a:t>
+            </a:r>
+            <a:r>
+              <a:rPr lang="en-US" altLang="ko-KR" smtClean="0"/>
+              <a:t>.#2</a:t>
             </a:r>
             <a:endParaRPr lang="ko-KR" altLang="en-US"/>
+          </a:p>
+        </p:txBody>
+      </p:sp>
+      <p:pic>
+        <p:nvPicPr>
+          <p:cNvPr id="3074" name="Picture 2"/>
+          <p:cNvPicPr>
+            <a:picLocks noChangeAspect="1" noChangeArrowheads="1"/>
+          </p:cNvPicPr>
+          <p:nvPr/>
+        </p:nvPicPr>
+        <p:blipFill>
+          <a:blip r:embed="rId2">
+            <a:extLst>
+              <a:ext uri="{28A0092B-C50C-407E-A947-70E740481C1C}">
+                <a14:useLocalDpi xmlns:a14="http://schemas.microsoft.com/office/drawing/2010/main" val="0"/>
+              </a:ext>
+            </a:extLst>
+          </a:blip>
+          <a:srcRect/>
+          <a:stretch>
+            <a:fillRect/>
+          </a:stretch>
+        </p:blipFill>
+        <p:spPr bwMode="auto">
+          <a:xfrm>
+            <a:off x="6112860" y="1283469"/>
+            <a:ext cx="5664803" cy="5147469"/>
+          </a:xfrm>
+          <a:prstGeom prst="rect">
+            <a:avLst/>
+          </a:prstGeom>
+          <a:noFill/>
+          <a:ln w="9525">
+            <a:solidFill>
+              <a:schemeClr val="tx1"/>
+            </a:solidFill>
+            <a:miter lim="800000"/>
+            <a:headEnd/>
+            <a:tailEnd/>
+          </a:ln>
+          <a:extLst>
+            <a:ext uri="{909E8E84-426E-40DD-AFC4-6F175D3DCCD1}">
+              <a14:hiddenFill xmlns:a14="http://schemas.microsoft.com/office/drawing/2010/main">
+                <a:solidFill>
+                  <a:schemeClr val="accent1"/>
+                </a:solidFill>
+              </a14:hiddenFill>
+            </a:ext>
+          </a:extLst>
+        </p:spPr>
+      </p:pic>
+      <p:pic>
+        <p:nvPicPr>
+          <p:cNvPr id="4" name="Picture 6"/>
+          <p:cNvPicPr>
+            <a:picLocks noChangeAspect="1" noChangeArrowheads="1"/>
+          </p:cNvPicPr>
+          <p:nvPr/>
+        </p:nvPicPr>
+        <p:blipFill>
+          <a:blip r:embed="rId3">
+            <a:extLst>
+              <a:ext uri="{28A0092B-C50C-407E-A947-70E740481C1C}">
+                <a14:useLocalDpi xmlns:a14="http://schemas.microsoft.com/office/drawing/2010/main" val="0"/>
+              </a:ext>
+            </a:extLst>
+          </a:blip>
+          <a:srcRect/>
+          <a:stretch>
+            <a:fillRect/>
+          </a:stretch>
+        </p:blipFill>
+        <p:spPr bwMode="auto">
+          <a:xfrm>
+            <a:off x="1206167" y="1283469"/>
+            <a:ext cx="4748645" cy="3862760"/>
+          </a:xfrm>
+          <a:prstGeom prst="rect">
+            <a:avLst/>
+          </a:prstGeom>
+          <a:noFill/>
+          <a:ln w="9525">
+            <a:solidFill>
+              <a:schemeClr val="tx1"/>
+            </a:solidFill>
+            <a:miter lim="800000"/>
+            <a:headEnd/>
+            <a:tailEnd/>
+          </a:ln>
+          <a:extLst>
+            <a:ext uri="{909E8E84-426E-40DD-AFC4-6F175D3DCCD1}">
+              <a14:hiddenFill xmlns:a14="http://schemas.microsoft.com/office/drawing/2010/main">
+                <a:solidFill>
+                  <a:schemeClr val="accent1"/>
+                </a:solidFill>
+              </a14:hiddenFill>
+            </a:ext>
+          </a:extLst>
+        </p:spPr>
+      </p:pic>
+      <p:sp>
+        <p:nvSpPr>
+          <p:cNvPr id="5" name="TextBox 4"/>
+          <p:cNvSpPr txBox="1"/>
+          <p:nvPr/>
+        </p:nvSpPr>
+        <p:spPr>
+          <a:xfrm>
+            <a:off x="957306" y="751438"/>
+            <a:ext cx="6855788" cy="646331"/>
+          </a:xfrm>
+          <a:prstGeom prst="rect">
+            <a:avLst/>
+          </a:prstGeom>
+          <a:noFill/>
+        </p:spPr>
+        <p:txBody>
+          <a:bodyPr wrap="none" rtlCol="0">
+            <a:spAutoFit/>
+          </a:bodyPr>
+          <a:lstStyle/>
+          <a:p>
+            <a:r>
+              <a:rPr lang="ko-KR" altLang="en-US" sz="1200" smtClean="0"/>
+              <a:t>테이블 권한만 주는것이다</a:t>
+            </a:r>
+            <a:r>
+              <a:rPr lang="en-US" altLang="ko-KR" sz="1200"/>
+              <a:t>. </a:t>
+            </a:r>
+            <a:r>
+              <a:rPr lang="en-US" altLang="ko-KR" sz="1200" smtClean="0"/>
+              <a:t>nboard_mysql_user.sql</a:t>
+            </a:r>
+            <a:r>
+              <a:rPr lang="ko-KR" altLang="en-US" sz="1200" smtClean="0"/>
+              <a:t>로 해당 쿼리를 남겨두었다</a:t>
+            </a:r>
+            <a:r>
+              <a:rPr lang="en-US" altLang="ko-KR" sz="1200" smtClean="0"/>
+              <a:t>. </a:t>
+            </a:r>
+            <a:r>
+              <a:rPr lang="ko-KR" altLang="en-US" sz="1200" smtClean="0"/>
+              <a:t>참조하여 변경한다</a:t>
+            </a:r>
+            <a:r>
+              <a:rPr lang="en-US" altLang="ko-KR" sz="1200" smtClean="0"/>
+              <a:t>.</a:t>
+            </a:r>
+            <a:endParaRPr lang="en-US" altLang="ko-KR" sz="1200"/>
+          </a:p>
+          <a:p>
+            <a:endParaRPr lang="en-US" altLang="ko-KR" sz="1200" smtClean="0"/>
+          </a:p>
+          <a:p>
+            <a:endParaRPr lang="ko-KR" altLang="en-US" sz="1200"/>
           </a:p>
         </p:txBody>
       </p:sp>
     </p:spTree>
     <p:extLst>
       <p:ext uri="{BB962C8B-B14F-4D97-AF65-F5344CB8AC3E}">
-        <p14:creationId xmlns:p14="http://schemas.microsoft.com/office/powerpoint/2010/main" val="1836045767"/>
+        <p14:creationId xmlns:p14="http://schemas.microsoft.com/office/powerpoint/2010/main" val="1767849675"/>
       </p:ext>
     </p:extLst>
   </p:cSld>
   <p:clrMapOvr>
     <a:masterClrMapping/>
   </p:clrMapOvr>
-  <p:timing>
-    <p:tnLst>
-      <p:par>
-        <p:cTn id="1" dur="indefinite" restart="never" nodeType="tmRoot"/>
-      </p:par>
-    </p:tnLst>
-  </p:timing>
 </p:sld>
 </file>
 
@@ -4396,11 +4560,398 @@
           <a:p>
             <a:r>
               <a:rPr lang="en-US" altLang="ko-KR" smtClean="0"/>
-              <a:t>5. </a:t>
+              <a:t>3. Apache </a:t>
             </a:r>
             <a:r>
               <a:rPr lang="ko-KR" altLang="en-US" smtClean="0"/>
-              <a:t>테스트</a:t>
+              <a:t>설정</a:t>
+            </a:r>
+            <a:endParaRPr lang="ko-KR" altLang="en-US"/>
+          </a:p>
+        </p:txBody>
+      </p:sp>
+      <p:sp>
+        <p:nvSpPr>
+          <p:cNvPr id="3" name="직사각형 2"/>
+          <p:cNvSpPr/>
+          <p:nvPr/>
+        </p:nvSpPr>
+        <p:spPr>
+          <a:xfrm>
+            <a:off x="1019174" y="1285612"/>
+            <a:ext cx="9686925" cy="1200329"/>
+          </a:xfrm>
+          <a:prstGeom prst="rect">
+            <a:avLst/>
+          </a:prstGeom>
+        </p:spPr>
+        <p:txBody>
+          <a:bodyPr wrap="square">
+            <a:spAutoFit/>
+          </a:bodyPr>
+          <a:lstStyle/>
+          <a:p>
+            <a:r>
+              <a:rPr lang="en-US" altLang="ko-KR" sz="1200"/>
+              <a:t>Listen 8088</a:t>
+            </a:r>
+          </a:p>
+          <a:p>
+            <a:r>
+              <a:rPr lang="en-US" altLang="ko-KR" sz="1200"/>
+              <a:t>NameVirtualHost *:8088</a:t>
+            </a:r>
+          </a:p>
+          <a:p>
+            <a:r>
+              <a:rPr lang="en-US" altLang="ko-KR" sz="1200"/>
+              <a:t>&lt;VirtualHost *:8088&gt;</a:t>
+            </a:r>
+          </a:p>
+          <a:p>
+            <a:pPr defTabSz="360000"/>
+            <a:r>
+              <a:rPr lang="en-US" altLang="ko-KR" sz="1200"/>
+              <a:t>	ServerName CI_naiyumie</a:t>
+            </a:r>
+          </a:p>
+          <a:p>
+            <a:pPr defTabSz="360000"/>
+            <a:r>
+              <a:rPr lang="en-US" altLang="ko-KR" sz="1200"/>
+              <a:t>	DocumentRoot "D:\_workspace\_git_workspace\nboard\trunk"</a:t>
+            </a:r>
+          </a:p>
+          <a:p>
+            <a:r>
+              <a:rPr lang="en-US" altLang="ko-KR" sz="1200"/>
+              <a:t>&lt;/VirtualHost&gt;</a:t>
+            </a:r>
+            <a:endParaRPr lang="ko-KR" altLang="en-US" sz="1200"/>
+          </a:p>
+        </p:txBody>
+      </p:sp>
+      <p:sp>
+        <p:nvSpPr>
+          <p:cNvPr id="4" name="TextBox 3"/>
+          <p:cNvSpPr txBox="1"/>
+          <p:nvPr/>
+        </p:nvSpPr>
+        <p:spPr>
+          <a:xfrm>
+            <a:off x="957306" y="751438"/>
+            <a:ext cx="7616188" cy="461665"/>
+          </a:xfrm>
+          <a:prstGeom prst="rect">
+            <a:avLst/>
+          </a:prstGeom>
+          <a:noFill/>
+        </p:spPr>
+        <p:txBody>
+          <a:bodyPr wrap="none" rtlCol="0">
+            <a:spAutoFit/>
+          </a:bodyPr>
+          <a:lstStyle/>
+          <a:p>
+            <a:r>
+              <a:rPr lang="en-US" altLang="ko-KR" sz="1200" smtClean="0"/>
+              <a:t>httpd.conf</a:t>
+            </a:r>
+            <a:r>
+              <a:rPr lang="ko-KR" altLang="en-US" sz="1200" smtClean="0"/>
+              <a:t>에 가상호스트를 지정한다</a:t>
+            </a:r>
+            <a:r>
+              <a:rPr lang="en-US" altLang="ko-KR" sz="1200" smtClean="0"/>
+              <a:t>. </a:t>
+            </a:r>
+            <a:r>
+              <a:rPr lang="ko-KR" altLang="en-US" sz="1200" smtClean="0"/>
+              <a:t>보안과 안정성을 위하여 절대 서브디렉터리에서 설치되어서는 안된다</a:t>
+            </a:r>
+            <a:r>
+              <a:rPr lang="en-US" altLang="ko-KR" sz="1200" smtClean="0"/>
+              <a:t>.</a:t>
+            </a:r>
+          </a:p>
+          <a:p>
+            <a:r>
+              <a:rPr lang="ko-KR" altLang="en-US" sz="1200" smtClean="0"/>
+              <a:t>호스팅 사용자라면 그냥 웹 루트에 올리면 된다</a:t>
+            </a:r>
+            <a:r>
+              <a:rPr lang="en-US" altLang="ko-KR" sz="1200" smtClean="0"/>
+              <a:t>.</a:t>
+            </a:r>
+            <a:endParaRPr lang="ko-KR" altLang="en-US" sz="1200"/>
+          </a:p>
+        </p:txBody>
+      </p:sp>
+    </p:spTree>
+    <p:extLst>
+      <p:ext uri="{BB962C8B-B14F-4D97-AF65-F5344CB8AC3E}">
+        <p14:creationId xmlns:p14="http://schemas.microsoft.com/office/powerpoint/2010/main" val="3108382241"/>
+      </p:ext>
+    </p:extLst>
+  </p:cSld>
+  <p:clrMapOvr>
+    <a:masterClrMapping/>
+  </p:clrMapOvr>
+  <p:timing>
+    <p:tnLst>
+      <p:par>
+        <p:cTn id="1" dur="indefinite" restart="never" nodeType="tmRoot"/>
+      </p:par>
+    </p:tnLst>
+  </p:timing>
+</p:sld>
+</file>
+
+<file path=ppt/slides/slide12.xml><?xml version="1.0" encoding="utf-8"?>
+<p:sld xmlns:a="http://schemas.openxmlformats.org/drawingml/2006/main" xmlns:r="http://schemas.openxmlformats.org/officeDocument/2006/relationships" xmlns:p="http://schemas.openxmlformats.org/presentationml/2006/main">
+  <p:cSld>
+    <p:spTree>
+      <p:nvGrpSpPr>
+        <p:cNvPr id="1" name=""/>
+        <p:cNvGrpSpPr/>
+        <p:nvPr/>
+      </p:nvGrpSpPr>
+      <p:grpSpPr>
+        <a:xfrm>
+          <a:off x="0" y="0"/>
+          <a:ext cx="0" cy="0"/>
+          <a:chOff x="0" y="0"/>
+          <a:chExt cx="0" cy="0"/>
+        </a:xfrm>
+      </p:grpSpPr>
+      <p:sp>
+        <p:nvSpPr>
+          <p:cNvPr id="2" name="제목 1"/>
+          <p:cNvSpPr>
+            <a:spLocks noGrp="1"/>
+          </p:cNvSpPr>
+          <p:nvPr>
+            <p:ph type="title"/>
+          </p:nvPr>
+        </p:nvSpPr>
+        <p:spPr/>
+        <p:txBody>
+          <a:bodyPr/>
+          <a:lstStyle/>
+          <a:p>
+            <a:r>
+              <a:rPr lang="en-US" altLang="ko-KR" smtClean="0"/>
+              <a:t>4. CI </a:t>
+            </a:r>
+            <a:r>
+              <a:rPr lang="ko-KR" altLang="en-US" smtClean="0"/>
+              <a:t>설정 </a:t>
+            </a:r>
+            <a:r>
+              <a:rPr lang="en-US" altLang="ko-KR" smtClean="0"/>
+              <a:t>#1</a:t>
+            </a:r>
+            <a:endParaRPr lang="ko-KR" altLang="en-US"/>
+          </a:p>
+        </p:txBody>
+      </p:sp>
+      <p:pic>
+        <p:nvPicPr>
+          <p:cNvPr id="4098" name="Picture 2"/>
+          <p:cNvPicPr>
+            <a:picLocks noChangeAspect="1" noChangeArrowheads="1"/>
+          </p:cNvPicPr>
+          <p:nvPr/>
+        </p:nvPicPr>
+        <p:blipFill>
+          <a:blip r:embed="rId2">
+            <a:extLst>
+              <a:ext uri="{28A0092B-C50C-407E-A947-70E740481C1C}">
+                <a14:useLocalDpi xmlns:a14="http://schemas.microsoft.com/office/drawing/2010/main" val="0"/>
+              </a:ext>
+            </a:extLst>
+          </a:blip>
+          <a:srcRect/>
+          <a:stretch>
+            <a:fillRect/>
+          </a:stretch>
+        </p:blipFill>
+        <p:spPr bwMode="auto">
+          <a:xfrm>
+            <a:off x="814388" y="1285875"/>
+            <a:ext cx="6238875" cy="3048000"/>
+          </a:xfrm>
+          <a:prstGeom prst="rect">
+            <a:avLst/>
+          </a:prstGeom>
+          <a:noFill/>
+          <a:ln>
+            <a:noFill/>
+          </a:ln>
+          <a:extLst>
+            <a:ext uri="{909E8E84-426E-40DD-AFC4-6F175D3DCCD1}">
+              <a14:hiddenFill xmlns:a14="http://schemas.microsoft.com/office/drawing/2010/main">
+                <a:solidFill>
+                  <a:schemeClr val="accent1"/>
+                </a:solidFill>
+              </a14:hiddenFill>
+            </a:ext>
+            <a:ext uri="{91240B29-F687-4F45-9708-019B960494DF}">
+              <a14:hiddenLine xmlns:a14="http://schemas.microsoft.com/office/drawing/2010/main" w="9525">
+                <a:solidFill>
+                  <a:schemeClr val="tx1"/>
+                </a:solidFill>
+                <a:miter lim="800000"/>
+                <a:headEnd/>
+                <a:tailEnd/>
+              </a14:hiddenLine>
+            </a:ext>
+          </a:extLst>
+        </p:spPr>
+      </p:pic>
+      <p:sp>
+        <p:nvSpPr>
+          <p:cNvPr id="4" name="TextBox 3"/>
+          <p:cNvSpPr txBox="1"/>
+          <p:nvPr/>
+        </p:nvSpPr>
+        <p:spPr>
+          <a:xfrm>
+            <a:off x="957306" y="751438"/>
+            <a:ext cx="6918945" cy="461665"/>
+          </a:xfrm>
+          <a:prstGeom prst="rect">
+            <a:avLst/>
+          </a:prstGeom>
+          <a:noFill/>
+        </p:spPr>
+        <p:txBody>
+          <a:bodyPr wrap="none" rtlCol="0">
+            <a:spAutoFit/>
+          </a:bodyPr>
+          <a:lstStyle/>
+          <a:p>
+            <a:r>
+              <a:rPr lang="en-US" altLang="ko-KR" sz="1200" smtClean="0"/>
+              <a:t>index.php</a:t>
+            </a:r>
+            <a:r>
+              <a:rPr lang="ko-KR" altLang="en-US" sz="1200" smtClean="0"/>
+              <a:t>에 </a:t>
+            </a:r>
+            <a:r>
+              <a:rPr lang="en-US" altLang="ko-KR" sz="1200" smtClean="0"/>
+              <a:t>ENVIRONMENT</a:t>
+            </a:r>
+            <a:r>
+              <a:rPr lang="ko-KR" altLang="en-US" sz="1200" smtClean="0"/>
+              <a:t>를 설정한다</a:t>
+            </a:r>
+            <a:r>
+              <a:rPr lang="en-US" altLang="ko-KR" sz="1200" smtClean="0"/>
+              <a:t>. Codeigniter</a:t>
+            </a:r>
+            <a:r>
+              <a:rPr lang="ko-KR" altLang="en-US" sz="1200" smtClean="0"/>
+              <a:t>매뉴얼을 참조하면 알 수 있다</a:t>
+            </a:r>
+            <a:r>
+              <a:rPr lang="en-US" altLang="ko-KR" sz="1200" smtClean="0"/>
+              <a:t>.</a:t>
+            </a:r>
+          </a:p>
+          <a:p>
+            <a:r>
+              <a:rPr lang="ko-KR" altLang="en-US" sz="1200" smtClean="0"/>
+              <a:t>사이트가 개발중이라면 </a:t>
+            </a:r>
+            <a:r>
+              <a:rPr lang="en-US" altLang="ko-KR" sz="1200" smtClean="0"/>
+              <a:t>development</a:t>
+            </a:r>
+            <a:r>
+              <a:rPr lang="ko-KR" altLang="en-US" sz="1200" smtClean="0"/>
+              <a:t>로 값을 설정하고 실제 시연이라면 </a:t>
+            </a:r>
+            <a:r>
+              <a:rPr lang="en-US" altLang="ko-KR" sz="1200" smtClean="0"/>
+              <a:t>production</a:t>
+            </a:r>
+            <a:r>
+              <a:rPr lang="ko-KR" altLang="en-US" sz="1200" smtClean="0"/>
+              <a:t>으로 설정한다</a:t>
+            </a:r>
+            <a:r>
+              <a:rPr lang="en-US" altLang="ko-KR" sz="1200" smtClean="0"/>
+              <a:t>.</a:t>
+            </a:r>
+            <a:endParaRPr lang="ko-KR" altLang="en-US" sz="1200"/>
+          </a:p>
+        </p:txBody>
+      </p:sp>
+    </p:spTree>
+    <p:extLst>
+      <p:ext uri="{BB962C8B-B14F-4D97-AF65-F5344CB8AC3E}">
+        <p14:creationId xmlns:p14="http://schemas.microsoft.com/office/powerpoint/2010/main" val="1836045767"/>
+      </p:ext>
+    </p:extLst>
+  </p:cSld>
+  <p:clrMapOvr>
+    <a:masterClrMapping/>
+  </p:clrMapOvr>
+  <p:timing>
+    <p:tnLst>
+      <p:par>
+        <p:cTn id="1" dur="indefinite" restart="never" nodeType="tmRoot"/>
+      </p:par>
+    </p:tnLst>
+  </p:timing>
+</p:sld>
+</file>
+
+<file path=ppt/slides/slide13.xml><?xml version="1.0" encoding="utf-8"?>
+<p:sld xmlns:a="http://schemas.openxmlformats.org/drawingml/2006/main" xmlns:r="http://schemas.openxmlformats.org/officeDocument/2006/relationships" xmlns:p="http://schemas.openxmlformats.org/presentationml/2006/main">
+  <p:cSld>
+    <p:spTree>
+      <p:nvGrpSpPr>
+        <p:cNvPr id="1" name=""/>
+        <p:cNvGrpSpPr/>
+        <p:nvPr/>
+      </p:nvGrpSpPr>
+      <p:grpSpPr>
+        <a:xfrm>
+          <a:off x="0" y="0"/>
+          <a:ext cx="0" cy="0"/>
+          <a:chOff x="0" y="0"/>
+          <a:chExt cx="0" cy="0"/>
+        </a:xfrm>
+      </p:grpSpPr>
+      <p:sp>
+        <p:nvSpPr>
+          <p:cNvPr id="2" name="제목 1"/>
+          <p:cNvSpPr>
+            <a:spLocks noGrp="1"/>
+          </p:cNvSpPr>
+          <p:nvPr>
+            <p:ph type="title"/>
+          </p:nvPr>
+        </p:nvSpPr>
+        <p:spPr/>
+        <p:txBody>
+          <a:bodyPr/>
+          <a:lstStyle/>
+          <a:p>
+            <a:r>
+              <a:rPr lang="en-US" altLang="ko-KR" smtClean="0"/>
+              <a:t>4.1 CI </a:t>
+            </a:r>
+            <a:r>
+              <a:rPr lang="ko-KR" altLang="en-US" smtClean="0"/>
+              <a:t>설정 </a:t>
+            </a:r>
+            <a:r>
+              <a:rPr lang="en-US" altLang="ko-KR" smtClean="0"/>
+              <a:t>#2</a:t>
             </a:r>
             <a:endParaRPr lang="ko-KR" altLang="en-US"/>
           </a:p>
@@ -4415,7 +4966,321 @@
         <p:spPr>
           <a:xfrm>
             <a:off x="957306" y="751438"/>
-            <a:ext cx="11092856" cy="646331"/>
+            <a:ext cx="6731458" cy="276999"/>
+          </a:xfrm>
+          <a:prstGeom prst="rect">
+            <a:avLst/>
+          </a:prstGeom>
+          <a:noFill/>
+        </p:spPr>
+        <p:txBody>
+          <a:bodyPr wrap="none" rtlCol="0">
+            <a:spAutoFit/>
+          </a:bodyPr>
+          <a:lstStyle/>
+          <a:p>
+            <a:r>
+              <a:rPr lang="en-US" altLang="ko-KR" sz="1200" smtClean="0"/>
+              <a:t>database.php</a:t>
+            </a:r>
+            <a:r>
+              <a:rPr lang="ko-KR" altLang="en-US" sz="1200" smtClean="0"/>
+              <a:t>에 호스팅 정보를 입력한다</a:t>
+            </a:r>
+            <a:r>
+              <a:rPr lang="en-US" altLang="ko-KR" sz="1200" smtClean="0"/>
+              <a:t>. username, password, database</a:t>
+            </a:r>
+            <a:r>
+              <a:rPr lang="ko-KR" altLang="en-US" sz="1200" smtClean="0"/>
+              <a:t>정도만 수정하면 된다</a:t>
+            </a:r>
+            <a:r>
+              <a:rPr lang="en-US" altLang="ko-KR" sz="1200" smtClean="0"/>
+              <a:t>.</a:t>
+            </a:r>
+            <a:endParaRPr lang="ko-KR" altLang="en-US" sz="1200"/>
+          </a:p>
+        </p:txBody>
+      </p:sp>
+      <p:pic>
+        <p:nvPicPr>
+          <p:cNvPr id="5122" name="Picture 2"/>
+          <p:cNvPicPr>
+            <a:picLocks noChangeAspect="1" noChangeArrowheads="1"/>
+          </p:cNvPicPr>
+          <p:nvPr/>
+        </p:nvPicPr>
+        <p:blipFill>
+          <a:blip r:embed="rId2">
+            <a:extLst>
+              <a:ext uri="{28A0092B-C50C-407E-A947-70E740481C1C}">
+                <a14:useLocalDpi xmlns:a14="http://schemas.microsoft.com/office/drawing/2010/main" val="0"/>
+              </a:ext>
+            </a:extLst>
+          </a:blip>
+          <a:srcRect/>
+          <a:stretch>
+            <a:fillRect/>
+          </a:stretch>
+        </p:blipFill>
+        <p:spPr bwMode="auto">
+          <a:xfrm>
+            <a:off x="1057275" y="1166813"/>
+            <a:ext cx="3771900" cy="2790825"/>
+          </a:xfrm>
+          <a:prstGeom prst="rect">
+            <a:avLst/>
+          </a:prstGeom>
+          <a:noFill/>
+          <a:ln>
+            <a:noFill/>
+          </a:ln>
+          <a:extLst>
+            <a:ext uri="{909E8E84-426E-40DD-AFC4-6F175D3DCCD1}">
+              <a14:hiddenFill xmlns:a14="http://schemas.microsoft.com/office/drawing/2010/main">
+                <a:solidFill>
+                  <a:schemeClr val="accent1"/>
+                </a:solidFill>
+              </a14:hiddenFill>
+            </a:ext>
+            <a:ext uri="{91240B29-F687-4F45-9708-019B960494DF}">
+              <a14:hiddenLine xmlns:a14="http://schemas.microsoft.com/office/drawing/2010/main" w="9525">
+                <a:solidFill>
+                  <a:schemeClr val="tx1"/>
+                </a:solidFill>
+                <a:miter lim="800000"/>
+                <a:headEnd/>
+                <a:tailEnd/>
+              </a14:hiddenLine>
+            </a:ext>
+          </a:extLst>
+        </p:spPr>
+      </p:pic>
+    </p:spTree>
+    <p:extLst>
+      <p:ext uri="{BB962C8B-B14F-4D97-AF65-F5344CB8AC3E}">
+        <p14:creationId xmlns:p14="http://schemas.microsoft.com/office/powerpoint/2010/main" val="3792238623"/>
+      </p:ext>
+    </p:extLst>
+  </p:cSld>
+  <p:clrMapOvr>
+    <a:masterClrMapping/>
+  </p:clrMapOvr>
+</p:sld>
+</file>
+
+<file path=ppt/slides/slide14.xml><?xml version="1.0" encoding="utf-8"?>
+<p:sld xmlns:a="http://schemas.openxmlformats.org/drawingml/2006/main" xmlns:r="http://schemas.openxmlformats.org/officeDocument/2006/relationships" xmlns:p="http://schemas.openxmlformats.org/presentationml/2006/main">
+  <p:cSld>
+    <p:spTree>
+      <p:nvGrpSpPr>
+        <p:cNvPr id="1" name=""/>
+        <p:cNvGrpSpPr/>
+        <p:nvPr/>
+      </p:nvGrpSpPr>
+      <p:grpSpPr>
+        <a:xfrm>
+          <a:off x="0" y="0"/>
+          <a:ext cx="0" cy="0"/>
+          <a:chOff x="0" y="0"/>
+          <a:chExt cx="0" cy="0"/>
+        </a:xfrm>
+      </p:grpSpPr>
+      <p:sp>
+        <p:nvSpPr>
+          <p:cNvPr id="2" name="제목 1"/>
+          <p:cNvSpPr>
+            <a:spLocks noGrp="1"/>
+          </p:cNvSpPr>
+          <p:nvPr>
+            <p:ph type="title"/>
+          </p:nvPr>
+        </p:nvSpPr>
+        <p:spPr/>
+        <p:txBody>
+          <a:bodyPr/>
+          <a:lstStyle/>
+          <a:p>
+            <a:r>
+              <a:rPr lang="en-US" altLang="ko-KR" smtClean="0"/>
+              <a:t>4.2 CI </a:t>
+            </a:r>
+            <a:r>
+              <a:rPr lang="ko-KR" altLang="en-US" smtClean="0"/>
+              <a:t>설정 </a:t>
+            </a:r>
+            <a:r>
+              <a:rPr lang="en-US" altLang="ko-KR" smtClean="0"/>
+              <a:t>#3</a:t>
+            </a:r>
+            <a:endParaRPr lang="ko-KR" altLang="en-US"/>
+          </a:p>
+        </p:txBody>
+      </p:sp>
+      <p:pic>
+        <p:nvPicPr>
+          <p:cNvPr id="6146" name="Picture 2"/>
+          <p:cNvPicPr>
+            <a:picLocks noChangeAspect="1" noChangeArrowheads="1"/>
+          </p:cNvPicPr>
+          <p:nvPr/>
+        </p:nvPicPr>
+        <p:blipFill>
+          <a:blip r:embed="rId2">
+            <a:extLst>
+              <a:ext uri="{28A0092B-C50C-407E-A947-70E740481C1C}">
+                <a14:useLocalDpi xmlns:a14="http://schemas.microsoft.com/office/drawing/2010/main" val="0"/>
+              </a:ext>
+            </a:extLst>
+          </a:blip>
+          <a:srcRect/>
+          <a:stretch>
+            <a:fillRect/>
+          </a:stretch>
+        </p:blipFill>
+        <p:spPr bwMode="auto">
+          <a:xfrm>
+            <a:off x="1185863" y="1062038"/>
+            <a:ext cx="9666287" cy="1857375"/>
+          </a:xfrm>
+          <a:prstGeom prst="rect">
+            <a:avLst/>
+          </a:prstGeom>
+          <a:noFill/>
+          <a:ln>
+            <a:noFill/>
+          </a:ln>
+          <a:extLst>
+            <a:ext uri="{909E8E84-426E-40DD-AFC4-6F175D3DCCD1}">
+              <a14:hiddenFill xmlns:a14="http://schemas.microsoft.com/office/drawing/2010/main">
+                <a:solidFill>
+                  <a:schemeClr val="accent1"/>
+                </a:solidFill>
+              </a14:hiddenFill>
+            </a:ext>
+            <a:ext uri="{91240B29-F687-4F45-9708-019B960494DF}">
+              <a14:hiddenLine xmlns:a14="http://schemas.microsoft.com/office/drawing/2010/main" w="9525">
+                <a:solidFill>
+                  <a:schemeClr val="tx1"/>
+                </a:solidFill>
+                <a:miter lim="800000"/>
+                <a:headEnd/>
+                <a:tailEnd/>
+              </a14:hiddenLine>
+            </a:ext>
+          </a:extLst>
+        </p:spPr>
+      </p:pic>
+      <p:sp>
+        <p:nvSpPr>
+          <p:cNvPr id="4" name="TextBox 3"/>
+          <p:cNvSpPr txBox="1"/>
+          <p:nvPr/>
+        </p:nvSpPr>
+        <p:spPr>
+          <a:xfrm>
+            <a:off x="957306" y="751438"/>
+            <a:ext cx="3416320" cy="276999"/>
+          </a:xfrm>
+          <a:prstGeom prst="rect">
+            <a:avLst/>
+          </a:prstGeom>
+          <a:noFill/>
+        </p:spPr>
+        <p:txBody>
+          <a:bodyPr wrap="none" rtlCol="0">
+            <a:spAutoFit/>
+          </a:bodyPr>
+          <a:lstStyle/>
+          <a:p>
+            <a:r>
+              <a:rPr lang="en-US" altLang="ko-KR" sz="1200" smtClean="0"/>
+              <a:t>.htaccess</a:t>
+            </a:r>
+            <a:r>
+              <a:rPr lang="ko-KR" altLang="en-US" sz="1200" smtClean="0"/>
+              <a:t>는 딱히 건드릴 것이 없으나 참조한다</a:t>
+            </a:r>
+            <a:r>
+              <a:rPr lang="en-US" altLang="ko-KR" sz="1200" smtClean="0"/>
+              <a:t>.</a:t>
+            </a:r>
+            <a:endParaRPr lang="ko-KR" altLang="en-US" sz="1200"/>
+          </a:p>
+        </p:txBody>
+      </p:sp>
+    </p:spTree>
+    <p:extLst>
+      <p:ext uri="{BB962C8B-B14F-4D97-AF65-F5344CB8AC3E}">
+        <p14:creationId xmlns:p14="http://schemas.microsoft.com/office/powerpoint/2010/main" val="1997495345"/>
+      </p:ext>
+    </p:extLst>
+  </p:cSld>
+  <p:clrMapOvr>
+    <a:masterClrMapping/>
+  </p:clrMapOvr>
+</p:sld>
+</file>
+
+<file path=ppt/slides/slide15.xml><?xml version="1.0" encoding="utf-8"?>
+<p:sld xmlns:a="http://schemas.openxmlformats.org/drawingml/2006/main" xmlns:r="http://schemas.openxmlformats.org/officeDocument/2006/relationships" xmlns:p="http://schemas.openxmlformats.org/presentationml/2006/main">
+  <p:cSld>
+    <p:spTree>
+      <p:nvGrpSpPr>
+        <p:cNvPr id="1" name=""/>
+        <p:cNvGrpSpPr/>
+        <p:nvPr/>
+      </p:nvGrpSpPr>
+      <p:grpSpPr>
+        <a:xfrm>
+          <a:off x="0" y="0"/>
+          <a:ext cx="0" cy="0"/>
+          <a:chOff x="0" y="0"/>
+          <a:chExt cx="0" cy="0"/>
+        </a:xfrm>
+      </p:grpSpPr>
+      <p:sp>
+        <p:nvSpPr>
+          <p:cNvPr id="2" name="제목 1"/>
+          <p:cNvSpPr>
+            <a:spLocks noGrp="1"/>
+          </p:cNvSpPr>
+          <p:nvPr>
+            <p:ph type="title"/>
+          </p:nvPr>
+        </p:nvSpPr>
+        <p:spPr/>
+        <p:txBody>
+          <a:bodyPr/>
+          <a:lstStyle/>
+          <a:p>
+            <a:r>
+              <a:rPr lang="en-US" altLang="ko-KR" smtClean="0"/>
+              <a:t>5. </a:t>
+            </a:r>
+            <a:r>
+              <a:rPr lang="ko-KR" altLang="en-US" smtClean="0"/>
+              <a:t>테스트</a:t>
+            </a:r>
+            <a:r>
+              <a:rPr lang="en-US" altLang="ko-KR" smtClean="0"/>
+              <a:t>#1</a:t>
+            </a:r>
+            <a:endParaRPr lang="ko-KR" altLang="en-US"/>
+          </a:p>
+        </p:txBody>
+      </p:sp>
+      <p:sp>
+        <p:nvSpPr>
+          <p:cNvPr id="3" name="TextBox 2"/>
+          <p:cNvSpPr txBox="1"/>
+          <p:nvPr/>
+        </p:nvSpPr>
+        <p:spPr>
+          <a:xfrm>
+            <a:off x="957306" y="751438"/>
+            <a:ext cx="11092856" cy="276999"/>
           </a:xfrm>
           <a:prstGeom prst="rect">
             <a:avLst/>
@@ -4429,69 +5294,16 @@
           <a:lstStyle/>
           <a:p>
             <a:r>
+              <a:rPr lang="ko-KR" altLang="en-US" sz="1200" smtClean="0"/>
+              <a:t>아파치서버를 구동한다</a:t>
+            </a:r>
+            <a:r>
               <a:rPr lang="en-US" altLang="ko-KR" sz="1200" smtClean="0"/>
-              <a:t>erd.mwb </a:t>
+              <a:t>. </a:t>
             </a:r>
             <a:r>
               <a:rPr lang="ko-KR" altLang="en-US" sz="1200" smtClean="0"/>
-              <a:t>파일은 </a:t>
-            </a:r>
-            <a:r>
-              <a:rPr lang="en-US" altLang="ko-KR" sz="1200" smtClean="0"/>
-              <a:t>mysql workbench </a:t>
-            </a:r>
-            <a:r>
-              <a:rPr lang="ko-KR" altLang="en-US" sz="1200" smtClean="0"/>
-              <a:t>프로그램에서 사용하는 파일로 </a:t>
-            </a:r>
-            <a:r>
-              <a:rPr lang="en-US" altLang="ko-KR" sz="1200" smtClean="0"/>
-              <a:t>erd</a:t>
-            </a:r>
-            <a:r>
-              <a:rPr lang="ko-KR" altLang="en-US" sz="1200" smtClean="0"/>
-              <a:t>를 보여주고 </a:t>
-            </a:r>
-            <a:r>
-              <a:rPr lang="en-US" altLang="ko-KR" sz="1200" smtClean="0"/>
-              <a:t>DB</a:t>
-            </a:r>
-            <a:r>
-              <a:rPr lang="ko-KR" altLang="en-US" sz="1200" smtClean="0"/>
-              <a:t>를 변경해준다</a:t>
-            </a:r>
-            <a:r>
-              <a:rPr lang="en-US" altLang="ko-KR" sz="1200" smtClean="0"/>
-              <a:t>.</a:t>
-            </a:r>
-          </a:p>
-          <a:p>
-            <a:endParaRPr lang="en-US" altLang="ko-KR" sz="1200"/>
-          </a:p>
-          <a:p>
-            <a:r>
-              <a:rPr lang="en-US" altLang="ko-KR" sz="1200" smtClean="0"/>
-              <a:t>ClassDiagram.mdj </a:t>
-            </a:r>
-            <a:r>
-              <a:rPr lang="ko-KR" altLang="en-US" sz="1200" smtClean="0"/>
-              <a:t>파일은 스타 </a:t>
-            </a:r>
-            <a:r>
-              <a:rPr lang="en-US" altLang="ko-KR" sz="1200" smtClean="0"/>
-              <a:t>UML </a:t>
-            </a:r>
-            <a:r>
-              <a:rPr lang="ko-KR" altLang="en-US" sz="1200" smtClean="0"/>
-              <a:t>프로그램에서 사용하는 파일로 </a:t>
-            </a:r>
-            <a:r>
-              <a:rPr lang="en-US" altLang="ko-KR" sz="1200" smtClean="0"/>
-              <a:t>class diagram</a:t>
-            </a:r>
-            <a:r>
-              <a:rPr lang="ko-KR" altLang="en-US" sz="1200" smtClean="0"/>
-              <a:t>을 보여준다</a:t>
+              <a:t>호스팅 사용자의 경우 이미 아파치는 켜져 있을 것이다</a:t>
             </a:r>
             <a:r>
               <a:rPr lang="en-US" altLang="ko-KR" sz="1200" smtClean="0"/>
@@ -4501,6 +5313,60 @@
           </a:p>
         </p:txBody>
       </p:sp>
+      <p:pic>
+        <p:nvPicPr>
+          <p:cNvPr id="7170" name="Picture 2"/>
+          <p:cNvPicPr>
+            <a:picLocks noChangeAspect="1" noChangeArrowheads="1"/>
+          </p:cNvPicPr>
+          <p:nvPr/>
+        </p:nvPicPr>
+        <p:blipFill>
+          <a:blip r:embed="rId2">
+            <a:extLst>
+              <a:ext uri="{28A0092B-C50C-407E-A947-70E740481C1C}">
+                <a14:useLocalDpi xmlns:a14="http://schemas.microsoft.com/office/drawing/2010/main" val="0"/>
+              </a:ext>
+            </a:extLst>
+          </a:blip>
+          <a:srcRect/>
+          <a:stretch>
+            <a:fillRect/>
+          </a:stretch>
+        </p:blipFill>
+        <p:spPr bwMode="auto">
+          <a:xfrm>
+            <a:off x="957306" y="1581150"/>
+            <a:ext cx="7008813" cy="3086100"/>
+          </a:xfrm>
+          <a:prstGeom prst="rect">
+            <a:avLst/>
+          </a:prstGeom>
+          <a:noFill/>
+          <a:ln>
+            <a:noFill/>
+          </a:ln>
+          <a:extLst>
+            <a:ext uri="{909E8E84-426E-40DD-AFC4-6F175D3DCCD1}">
+              <a14:hiddenFill xmlns:a14="http://schemas.microsoft.com/office/drawing/2010/main">
+                <a:solidFill>
+                  <a:schemeClr val="accent1"/>
+                </a:solidFill>
+              </a14:hiddenFill>
+            </a:ext>
+            <a:ext uri="{91240B29-F687-4F45-9708-019B960494DF}">
+              <a14:hiddenLine xmlns:a14="http://schemas.microsoft.com/office/drawing/2010/main" w="9525">
+                <a:solidFill>
+                  <a:schemeClr val="tx1"/>
+                </a:solidFill>
+                <a:miter lim="800000"/>
+                <a:headEnd/>
+                <a:tailEnd/>
+              </a14:hiddenLine>
+            </a:ext>
+          </a:extLst>
+        </p:spPr>
+      </p:pic>
     </p:spTree>
     <p:extLst>
       <p:ext uri="{BB962C8B-B14F-4D97-AF65-F5344CB8AC3E}">
@@ -4518,6 +5384,163 @@
       </p:par>
     </p:tnLst>
   </p:timing>
+</p:sld>
+</file>
+
+<file path=ppt/slides/slide16.xml><?xml version="1.0" encoding="utf-8"?>
+<p:sld xmlns:a="http://schemas.openxmlformats.org/drawingml/2006/main" xmlns:r="http://schemas.openxmlformats.org/officeDocument/2006/relationships" xmlns:p="http://schemas.openxmlformats.org/presentationml/2006/main">
+  <p:cSld>
+    <p:spTree>
+      <p:nvGrpSpPr>
+        <p:cNvPr id="1" name=""/>
+        <p:cNvGrpSpPr/>
+        <p:nvPr/>
+      </p:nvGrpSpPr>
+      <p:grpSpPr>
+        <a:xfrm>
+          <a:off x="0" y="0"/>
+          <a:ext cx="0" cy="0"/>
+          <a:chOff x="0" y="0"/>
+          <a:chExt cx="0" cy="0"/>
+        </a:xfrm>
+      </p:grpSpPr>
+      <p:sp>
+        <p:nvSpPr>
+          <p:cNvPr id="2" name="제목 1"/>
+          <p:cNvSpPr>
+            <a:spLocks noGrp="1"/>
+          </p:cNvSpPr>
+          <p:nvPr>
+            <p:ph type="title"/>
+          </p:nvPr>
+        </p:nvSpPr>
+        <p:spPr/>
+        <p:txBody>
+          <a:bodyPr/>
+          <a:lstStyle/>
+          <a:p>
+            <a:r>
+              <a:rPr lang="en-US" altLang="ko-KR" smtClean="0"/>
+              <a:t>5.1 </a:t>
+            </a:r>
+            <a:r>
+              <a:rPr lang="ko-KR" altLang="en-US" smtClean="0"/>
+              <a:t>테스트</a:t>
+            </a:r>
+            <a:r>
+              <a:rPr lang="en-US" altLang="ko-KR" smtClean="0"/>
+              <a:t>#2</a:t>
+            </a:r>
+            <a:endParaRPr lang="ko-KR" altLang="en-US"/>
+          </a:p>
+        </p:txBody>
+      </p:sp>
+      <p:pic>
+        <p:nvPicPr>
+          <p:cNvPr id="3" name="Picture 3"/>
+          <p:cNvPicPr>
+            <a:picLocks noChangeAspect="1" noChangeArrowheads="1"/>
+          </p:cNvPicPr>
+          <p:nvPr/>
+        </p:nvPicPr>
+        <p:blipFill>
+          <a:blip r:embed="rId2">
+            <a:extLst>
+              <a:ext uri="{28A0092B-C50C-407E-A947-70E740481C1C}">
+                <a14:useLocalDpi xmlns:a14="http://schemas.microsoft.com/office/drawing/2010/main" val="0"/>
+              </a:ext>
+            </a:extLst>
+          </a:blip>
+          <a:srcRect/>
+          <a:stretch>
+            <a:fillRect/>
+          </a:stretch>
+        </p:blipFill>
+        <p:spPr bwMode="auto">
+          <a:xfrm>
+            <a:off x="965499" y="1101281"/>
+            <a:ext cx="7359351" cy="5389039"/>
+          </a:xfrm>
+          <a:prstGeom prst="rect">
+            <a:avLst/>
+          </a:prstGeom>
+          <a:noFill/>
+          <a:ln>
+            <a:noFill/>
+          </a:ln>
+          <a:extLst>
+            <a:ext uri="{909E8E84-426E-40DD-AFC4-6F175D3DCCD1}">
+              <a14:hiddenFill xmlns:a14="http://schemas.microsoft.com/office/drawing/2010/main">
+                <a:solidFill>
+                  <a:schemeClr val="accent1"/>
+                </a:solidFill>
+              </a14:hiddenFill>
+            </a:ext>
+            <a:ext uri="{91240B29-F687-4F45-9708-019B960494DF}">
+              <a14:hiddenLine xmlns:a14="http://schemas.microsoft.com/office/drawing/2010/main" w="9525">
+                <a:solidFill>
+                  <a:schemeClr val="tx1"/>
+                </a:solidFill>
+                <a:miter lim="800000"/>
+                <a:headEnd/>
+                <a:tailEnd/>
+              </a14:hiddenLine>
+            </a:ext>
+          </a:extLst>
+        </p:spPr>
+      </p:pic>
+      <p:sp>
+        <p:nvSpPr>
+          <p:cNvPr id="4" name="TextBox 3"/>
+          <p:cNvSpPr txBox="1"/>
+          <p:nvPr/>
+        </p:nvSpPr>
+        <p:spPr>
+          <a:xfrm>
+            <a:off x="957306" y="751438"/>
+            <a:ext cx="11092856" cy="276999"/>
+          </a:xfrm>
+          <a:prstGeom prst="rect">
+            <a:avLst/>
+          </a:prstGeom>
+          <a:noFill/>
+        </p:spPr>
+        <p:txBody>
+          <a:bodyPr wrap="square" rtlCol="0">
+            <a:spAutoFit/>
+          </a:bodyPr>
+          <a:lstStyle/>
+          <a:p>
+            <a:r>
+              <a:rPr lang="ko-KR" altLang="en-US" sz="1200" smtClean="0"/>
+              <a:t>웹브라우저를 띄워 접속해본다</a:t>
+            </a:r>
+            <a:r>
+              <a:rPr lang="en-US" altLang="ko-KR" sz="1200" smtClean="0"/>
+              <a:t>. </a:t>
+            </a:r>
+            <a:r>
+              <a:rPr lang="ko-KR" altLang="en-US" sz="1200" smtClean="0"/>
+              <a:t>서브디렉터리 없이 가상호스트 루트에 설치되어야 올바르게 동작한다</a:t>
+            </a:r>
+            <a:r>
+              <a:rPr lang="en-US" altLang="ko-KR" sz="1200" smtClean="0"/>
+              <a:t>.</a:t>
+            </a:r>
+            <a:endParaRPr lang="en-US" altLang="ko-KR" sz="1200"/>
+          </a:p>
+        </p:txBody>
+      </p:sp>
+    </p:spTree>
+    <p:extLst>
+      <p:ext uri="{BB962C8B-B14F-4D97-AF65-F5344CB8AC3E}">
+        <p14:creationId xmlns:p14="http://schemas.microsoft.com/office/powerpoint/2010/main" val="2343709102"/>
+      </p:ext>
+    </p:extLst>
+  </p:cSld>
+  <p:clrMapOvr>
+    <a:masterClrMapping/>
+  </p:clrMapOvr>
 </p:sld>
 </file>
 
@@ -15885,7 +16908,7 @@
         <p:spPr>
           <a:xfrm>
             <a:off x="957306" y="4112653"/>
-            <a:ext cx="9400516" cy="830997"/>
+            <a:ext cx="9400516" cy="1384995"/>
           </a:xfrm>
           <a:prstGeom prst="rect">
             <a:avLst/>
@@ -15960,7 +16983,70 @@
               <a:rPr lang="en-US" altLang="ko-KR" sz="1200" smtClean="0"/>
               <a:t>.</a:t>
             </a:r>
-            <a:endParaRPr lang="en-US" altLang="ko-KR" sz="1200" smtClean="0"/>
+          </a:p>
+          <a:p>
+            <a:endParaRPr lang="en-US" altLang="ko-KR" sz="1200">
+              <a:solidFill>
+                <a:srgbClr val="FF0000"/>
+              </a:solidFill>
+            </a:endParaRPr>
+          </a:p>
+          <a:p>
+            <a:r>
+              <a:rPr lang="ko-KR" altLang="en-US" sz="1200" smtClean="0">
+                <a:solidFill>
+                  <a:srgbClr val="FF0000"/>
+                </a:solidFill>
+              </a:rPr>
+              <a:t>이곳에 적혀있는 테이블명이나 비밀번호는 예시이므로 그대로 따라하면 안됩니다</a:t>
+            </a:r>
+            <a:r>
+              <a:rPr lang="en-US" altLang="ko-KR" sz="1200" smtClean="0">
+                <a:solidFill>
+                  <a:srgbClr val="FF0000"/>
+                </a:solidFill>
+              </a:rPr>
+              <a:t>. </a:t>
+            </a:r>
+          </a:p>
+          <a:p>
+            <a:r>
+              <a:rPr lang="ko-KR" altLang="en-US" sz="1200" smtClean="0">
+                <a:solidFill>
+                  <a:srgbClr val="FF0000"/>
+                </a:solidFill>
+              </a:rPr>
+              <a:t>본인이 익숙해진뒤 테이블명</a:t>
+            </a:r>
+            <a:r>
+              <a:rPr lang="en-US" altLang="ko-KR" sz="1200" smtClean="0">
+                <a:solidFill>
+                  <a:srgbClr val="FF0000"/>
+                </a:solidFill>
+              </a:rPr>
+              <a:t>, </a:t>
+            </a:r>
+            <a:r>
+              <a:rPr lang="ko-KR" altLang="en-US" sz="1200" smtClean="0">
+                <a:solidFill>
+                  <a:srgbClr val="FF0000"/>
+                </a:solidFill>
+              </a:rPr>
+              <a:t>비밀번호의 세팅이 필요합니다</a:t>
+            </a:r>
+            <a:r>
+              <a:rPr lang="en-US" altLang="ko-KR" sz="1200" smtClean="0">
+                <a:solidFill>
+                  <a:srgbClr val="FF0000"/>
+                </a:solidFill>
+              </a:rPr>
+              <a:t>.</a:t>
+            </a:r>
+            <a:endParaRPr lang="en-US" altLang="ko-KR" sz="1200" smtClean="0">
+              <a:solidFill>
+                <a:srgbClr val="FF0000"/>
+              </a:solidFill>
+            </a:endParaRPr>
           </a:p>
         </p:txBody>
       </p:sp>
@@ -16249,11 +17335,7 @@
           <a:p>
             <a:r>
               <a:rPr lang="ko-KR" altLang="en-US" sz="1200" smtClean="0"/>
-              <a:t>즉 </a:t>
-            </a:r>
-            <a:r>
-              <a:rPr lang="ko-KR" altLang="en-US" sz="1200" smtClean="0"/>
-              <a:t>웹 루트 디렉터리에 </a:t>
+              <a:t>즉 웹 루트 디렉터리에 </a:t>
             </a:r>
             <a:r>
               <a:rPr lang="en-US" altLang="ko-KR" sz="1200" smtClean="0"/>
@@ -17208,7 +18290,11 @@
             </a:r>
             <a:r>
               <a:rPr lang="ko-KR" altLang="en-US" sz="1200" smtClean="0"/>
-              <a:t>만약 자신이 호스팅을 사용하고 있다면 데이터 베이스</a:t>
+              <a:t>만약 자신이 호스팅을 사용하고 있다면 </a:t>
+            </a:r>
+            <a:r>
+              <a:rPr lang="ko-KR" altLang="en-US" sz="1200" smtClean="0"/>
+              <a:t>데이터베이스</a:t>
             </a:r>
             <a:r>
               <a:rPr lang="en-US" altLang="ko-KR" sz="1200" smtClean="0"/>
@@ -17226,7 +18312,11 @@
           <a:p>
             <a:r>
               <a:rPr lang="ko-KR" altLang="en-US" sz="1200" smtClean="0"/>
-              <a:t>자신의 데이터 베이스가 </a:t>
+              <a:t>자신의 </a:t>
+            </a:r>
+            <a:r>
+              <a:rPr lang="ko-KR" altLang="en-US" sz="1200" smtClean="0"/>
+              <a:t>데이터베이스가 </a:t>
             </a:r>
             <a:r>
               <a:rPr lang="en-US" altLang="ko-KR" sz="1200" smtClean="0"/>
@@ -17371,7 +18461,7 @@
         <p:spPr>
           <a:xfrm>
             <a:off x="957306" y="751438"/>
-            <a:ext cx="7064691" cy="461665"/>
+            <a:ext cx="9373976" cy="461665"/>
           </a:xfrm>
           <a:prstGeom prst="rect">
             <a:avLst/>
@@ -17410,6 +18500,10 @@
             </a:r>
             <a:r>
               <a:rPr lang="en-US" altLang="ko-KR" sz="1200" smtClean="0"/>
+              <a:t>nboard_</a:t>
+            </a:r>
+            <a:r>
+              <a:rPr lang="en-US" altLang="ko-KR" sz="1200" smtClean="0"/>
               <a:t>naiyumie.sql</a:t>
             </a:r>
             <a:r>
@@ -17448,11 +18542,31 @@
             </a:r>
             <a:r>
               <a:rPr lang="ko-KR" altLang="en-US" sz="1200" smtClean="0"/>
-              <a:t>당연히 이곳은 자신의 데이터 베이스 명이 되어야 한다</a:t>
+              <a:t>당연히 이곳은 자신의 </a:t>
+            </a:r>
+            <a:r>
+              <a:rPr lang="ko-KR" altLang="en-US" sz="1200" smtClean="0"/>
+              <a:t>데이터베이스 </a:t>
+            </a:r>
+            <a:r>
+              <a:rPr lang="ko-KR" altLang="en-US" sz="1200" smtClean="0"/>
+              <a:t>명이 되어야 </a:t>
+            </a:r>
+            <a:r>
+              <a:rPr lang="ko-KR" altLang="en-US" sz="1200" smtClean="0"/>
+              <a:t>하며 이미 </a:t>
             </a:r>
             <a:r>
               <a:rPr lang="en-US" altLang="ko-KR" sz="1200" smtClean="0"/>
-              <a:t>.)</a:t>
+              <a:t>nboard</a:t>
+            </a:r>
+            <a:r>
+              <a:rPr lang="ko-KR" altLang="en-US" sz="1200" smtClean="0"/>
+              <a:t>로 되어 있을수 있다</a:t>
+            </a:r>
+            <a:r>
+              <a:rPr lang="en-US" altLang="ko-KR" sz="1200" smtClean="0"/>
+              <a:t>)</a:t>
             </a:r>
             <a:endParaRPr lang="ko-KR" altLang="en-US" sz="1200"/>
           </a:p>
@@ -17695,7 +18809,7 @@
         </p:blipFill>
         <p:spPr bwMode="auto">
           <a:xfrm>
-            <a:off x="9872663" y="3898900"/>
+            <a:off x="8981281" y="3864253"/>
             <a:ext cx="2047875" cy="2305050"/>
           </a:xfrm>
           <a:prstGeom prst="rect">
@@ -17731,7 +18845,7 @@
         </p:nvCxnSpPr>
         <p:spPr>
           <a:xfrm>
-            <a:off x="8089900" y="4013200"/>
+            <a:off x="7198518" y="3978553"/>
             <a:ext cx="1782763" cy="1038225"/>
           </a:xfrm>
           <a:prstGeom prst="straightConnector1">
@@ -17759,6 +18873,55 @@
           </a:fontRef>
         </p:style>
       </p:cxnSp>
+      <p:pic>
+        <p:nvPicPr>
+          <p:cNvPr id="2050" name="Picture 2"/>
+          <p:cNvPicPr>
+            <a:picLocks noChangeAspect="1" noChangeArrowheads="1"/>
+          </p:cNvPicPr>
+          <p:nvPr/>
+        </p:nvPicPr>
+        <p:blipFill>
+          <a:blip r:embed="rId4">
+            <a:extLst>
+              <a:ext uri="{28A0092B-C50C-407E-A947-70E740481C1C}">
+                <a14:useLocalDpi xmlns:a14="http://schemas.microsoft.com/office/drawing/2010/main" val="0"/>
+              </a:ext>
+            </a:extLst>
+          </a:blip>
+          <a:srcRect/>
+          <a:stretch>
+            <a:fillRect/>
+          </a:stretch>
+        </p:blipFill>
+        <p:spPr bwMode="auto">
+          <a:xfrm>
+            <a:off x="4584700" y="2454553"/>
+            <a:ext cx="3505200" cy="2562225"/>
+          </a:xfrm>
+          <a:prstGeom prst="rect">
+            <a:avLst/>
+          </a:prstGeom>
+          <a:noFill/>
+          <a:ln w="9525">
+            <a:solidFill>
+              <a:schemeClr val="tx1"/>
+            </a:solidFill>
+            <a:miter lim="800000"/>
+            <a:headEnd/>
+            <a:tailEnd/>
+          </a:ln>
+          <a:extLst>
+            <a:ext uri="{909E8E84-426E-40DD-AFC4-6F175D3DCCD1}">
+              <a14:hiddenFill xmlns:a14="http://schemas.microsoft.com/office/drawing/2010/main">
+                <a:solidFill>
+                  <a:schemeClr val="accent1"/>
+                </a:solidFill>
+              </a14:hiddenFill>
+            </a:ext>
+          </a:extLst>
+        </p:spPr>
+      </p:pic>
     </p:spTree>
     <p:extLst>
       <p:ext uri="{BB962C8B-B14F-4D97-AF65-F5344CB8AC3E}">
@@ -17850,15 +19013,20 @@
         </p:blipFill>
         <p:spPr bwMode="auto">
           <a:xfrm>
-            <a:off x="993775" y="1200150"/>
+            <a:off x="957306" y="3143250"/>
             <a:ext cx="8170863" cy="1028700"/>
           </a:xfrm>
           <a:prstGeom prst="rect">
             <a:avLst/>
           </a:prstGeom>
           <a:noFill/>
-          <a:ln>
-            <a:noFill/>
+          <a:ln w="9525">
+            <a:solidFill>
+              <a:schemeClr val="tx1"/>
+            </a:solidFill>
+            <a:miter lim="800000"/>
+            <a:headEnd/>
+            <a:tailEnd/>
           </a:ln>
           <a:extLst>
             <a:ext uri="{909E8E84-426E-40DD-AFC4-6F175D3DCCD1}">
@@ -17867,16 +19035,6 @@
                   <a:schemeClr val="accent1"/>
                 </a:solidFill>
               </a14:hiddenFill>
-            </a:ext>
-            <a:ext uri="{91240B29-F687-4F45-9708-019B960494DF}">
-              <a14:hiddenLine xmlns:a14="http://schemas.microsoft.com/office/drawing/2010/main" w="9525">
-                <a:solidFill>
-                  <a:schemeClr val="tx1"/>
-                </a:solidFill>
-                <a:miter lim="800000"/>
-                <a:headEnd/>
-                <a:tailEnd/>
-              </a14:hiddenLine>
             </a:ext>
           </a:extLst>
         </p:spPr>
@@ -17930,13 +19088,486 @@
           </a:p>
           <a:p>
             <a:r>
+              <a:rPr lang="ko-KR" altLang="en-US" sz="1200" smtClean="0"/>
+              <a:t>패스워드는 암호화 되어 알 수 없다</a:t>
+            </a:r>
+            <a:r>
               <a:rPr lang="en-US" altLang="ko-KR" sz="1200" smtClean="0"/>
-              <a:t>member1 12345</a:t>
+              <a:t>. </a:t>
             </a:r>
             <a:endParaRPr lang="ko-KR" altLang="en-US" sz="1200"/>
           </a:p>
         </p:txBody>
       </p:sp>
+      <p:graphicFrame>
+        <p:nvGraphicFramePr>
+          <p:cNvPr id="3" name="표 2"/>
+          <p:cNvGraphicFramePr>
+            <a:graphicFrameLocks noGrp="1"/>
+          </p:cNvGraphicFramePr>
+          <p:nvPr>
+            <p:extLst>
+              <p:ext uri="{D42A27DB-BD31-4B8C-83A1-F6EECF244321}">
+                <p14:modId xmlns:p14="http://schemas.microsoft.com/office/powerpoint/2010/main" val="1034882479"/>
+              </p:ext>
+            </p:extLst>
+          </p:nvPr>
+        </p:nvGraphicFramePr>
+        <p:xfrm>
+          <a:off x="1003300" y="1514476"/>
+          <a:ext cx="8128000" cy="1560326"/>
+        </p:xfrm>
+        <a:graphic>
+          <a:graphicData uri="http://schemas.openxmlformats.org/drawingml/2006/table">
+            <a:tbl>
+              <a:tblPr firstRow="1" bandRow="1">
+                <a:tableStyleId>{F5AB1C69-6EDB-4FF4-983F-18BD219EF322}</a:tableStyleId>
+              </a:tblPr>
+              <a:tblGrid>
+                <a:gridCol w="958850"/>
+                <a:gridCol w="1038225"/>
+                <a:gridCol w="666750"/>
+                <a:gridCol w="5464175"/>
+              </a:tblGrid>
+              <a:tr h="179990">
+                <a:tc>
+                  <a:txBody>
+                    <a:bodyPr/>
+                    <a:lstStyle/>
+                    <a:p>
+                      <a:pPr latinLnBrk="1"/>
+                      <a:r>
+                        <a:rPr lang="en-US" altLang="ko-KR" sz="1000" smtClean="0"/>
+                        <a:t>user_id</a:t>
+                      </a:r>
+                      <a:endParaRPr lang="ko-KR" altLang="en-US" sz="1000"/>
+                    </a:p>
+                  </a:txBody>
+                  <a:tcPr/>
+                </a:tc>
+                <a:tc>
+                  <a:txBody>
+                    <a:bodyPr/>
+                    <a:lstStyle/>
+                    <a:p>
+                      <a:pPr latinLnBrk="1"/>
+                      <a:r>
+                        <a:rPr lang="en-US" altLang="ko-KR" sz="1000" smtClean="0"/>
+                        <a:t>user_pw</a:t>
+                      </a:r>
+                      <a:endParaRPr lang="ko-KR" altLang="en-US" sz="1000"/>
+                    </a:p>
+                  </a:txBody>
+                  <a:tcPr/>
+                </a:tc>
+                <a:tc>
+                  <a:txBody>
+                    <a:bodyPr/>
+                    <a:lstStyle/>
+                    <a:p>
+                      <a:pPr latinLnBrk="1"/>
+                      <a:r>
+                        <a:rPr lang="ko-KR" altLang="en-US" sz="1000" smtClean="0"/>
+                        <a:t>유형</a:t>
+                      </a:r>
+                      <a:endParaRPr lang="ko-KR" altLang="en-US" sz="1000"/>
+                    </a:p>
+                  </a:txBody>
+                  <a:tcPr/>
+                </a:tc>
+                <a:tc>
+                  <a:txBody>
+                    <a:bodyPr/>
+                    <a:lstStyle/>
+                    <a:p>
+                      <a:pPr latinLnBrk="1"/>
+                      <a:r>
+                        <a:rPr lang="ko-KR" altLang="en-US" sz="1000" smtClean="0"/>
+                        <a:t>부가설명</a:t>
+                      </a:r>
+                      <a:endParaRPr lang="ko-KR" altLang="en-US" sz="1000"/>
+                    </a:p>
+                  </a:txBody>
+                  <a:tcPr/>
+                </a:tc>
+              </a:tr>
+              <a:tr h="292483">
+                <a:tc>
+                  <a:txBody>
+                    <a:bodyPr/>
+                    <a:lstStyle/>
+                    <a:p>
+                      <a:pPr latinLnBrk="1"/>
+                      <a:r>
+                        <a:rPr lang="en-US" altLang="ko-KR" sz="1000" smtClean="0"/>
+                        <a:t>member1</a:t>
+                      </a:r>
+                      <a:endParaRPr lang="ko-KR" altLang="en-US" sz="1000"/>
+                    </a:p>
+                  </a:txBody>
+                  <a:tcPr/>
+                </a:tc>
+                <a:tc>
+                  <a:txBody>
+                    <a:bodyPr/>
+                    <a:lstStyle/>
+                    <a:p>
+                      <a:pPr marL="0" marR="0" indent="0" algn="l" defTabSz="914400" rtl="0" eaLnBrk="1" fontAlgn="auto" latinLnBrk="1" hangingPunct="1">
+                        <a:lnSpc>
+                          <a:spcPct val="100000"/>
+                        </a:lnSpc>
+                        <a:spcBef>
+                          <a:spcPts val="0"/>
+                        </a:spcBef>
+                        <a:spcAft>
+                          <a:spcPts val="0"/>
+                        </a:spcAft>
+                        <a:buClrTx/>
+                        <a:buSzTx/>
+                        <a:buFontTx/>
+                        <a:buNone/>
+                        <a:tabLst/>
+                        <a:defRPr/>
+                      </a:pPr>
+                      <a:r>
+                        <a:rPr lang="en-US" altLang="ko-KR" sz="1000" smtClean="0"/>
+                        <a:t>12345</a:t>
+                      </a:r>
+                    </a:p>
+                  </a:txBody>
+                  <a:tcPr/>
+                </a:tc>
+                <a:tc>
+                  <a:txBody>
+                    <a:bodyPr/>
+                    <a:lstStyle/>
+                    <a:p>
+                      <a:pPr latinLnBrk="1"/>
+                      <a:r>
+                        <a:rPr lang="ko-KR" altLang="en-US" sz="1000" smtClean="0"/>
+                        <a:t>사용자</a:t>
+                      </a:r>
+                      <a:endParaRPr lang="ko-KR" altLang="en-US" sz="1000"/>
+                    </a:p>
+                  </a:txBody>
+                  <a:tcPr/>
+                </a:tc>
+                <a:tc>
+                  <a:txBody>
+                    <a:bodyPr/>
+                    <a:lstStyle/>
+                    <a:p>
+                      <a:pPr latinLnBrk="1"/>
+                      <a:r>
+                        <a:rPr lang="ko-KR" altLang="en-US" sz="1000" smtClean="0"/>
+                        <a:t>임시</a:t>
+                      </a:r>
+                      <a:endParaRPr lang="ko-KR" altLang="en-US" sz="1000"/>
+                    </a:p>
+                  </a:txBody>
+                  <a:tcPr/>
+                </a:tc>
+              </a:tr>
+              <a:tr h="179990">
+                <a:tc>
+                  <a:txBody>
+                    <a:bodyPr/>
+                    <a:lstStyle/>
+                    <a:p>
+                      <a:pPr latinLnBrk="1"/>
+                      <a:r>
+                        <a:rPr lang="en-US" altLang="ko-KR" sz="1000" smtClean="0"/>
+                        <a:t>admin</a:t>
+                      </a:r>
+                      <a:endParaRPr lang="ko-KR" altLang="en-US" sz="1000"/>
+                    </a:p>
+                  </a:txBody>
+                  <a:tcPr/>
+                </a:tc>
+                <a:tc>
+                  <a:txBody>
+                    <a:bodyPr/>
+                    <a:lstStyle/>
+                    <a:p>
+                      <a:pPr marL="0" marR="0" indent="0" algn="l" defTabSz="914400" rtl="0" eaLnBrk="1" fontAlgn="auto" latinLnBrk="1" hangingPunct="1">
+                        <a:lnSpc>
+                          <a:spcPct val="100000"/>
+                        </a:lnSpc>
+                        <a:spcBef>
+                          <a:spcPts val="0"/>
+                        </a:spcBef>
+                        <a:spcAft>
+                          <a:spcPts val="0"/>
+                        </a:spcAft>
+                        <a:buClrTx/>
+                        <a:buSzTx/>
+                        <a:buFontTx/>
+                        <a:buNone/>
+                        <a:tabLst/>
+                        <a:defRPr/>
+                      </a:pPr>
+                      <a:r>
+                        <a:rPr lang="en-US" altLang="ko-KR" sz="1000" smtClean="0"/>
+                        <a:t>admin12345@</a:t>
+                      </a:r>
+                      <a:endParaRPr lang="ko-KR" altLang="en-US" sz="1000"/>
+                    </a:p>
+                  </a:txBody>
+                  <a:tcPr/>
+                </a:tc>
+                <a:tc>
+                  <a:txBody>
+                    <a:bodyPr/>
+                    <a:lstStyle/>
+                    <a:p>
+                      <a:pPr latinLnBrk="1"/>
+                      <a:r>
+                        <a:rPr lang="ko-KR" altLang="en-US" sz="1000" smtClean="0"/>
+                        <a:t>관리자</a:t>
+                      </a:r>
+                      <a:endParaRPr lang="ko-KR" altLang="en-US" sz="1000"/>
+                    </a:p>
+                  </a:txBody>
+                  <a:tcPr/>
+                </a:tc>
+                <a:tc>
+                  <a:txBody>
+                    <a:bodyPr/>
+                    <a:lstStyle/>
+                    <a:p>
+                      <a:pPr marL="0" marR="0" indent="0" algn="l" defTabSz="914400" rtl="0" eaLnBrk="1" fontAlgn="auto" latinLnBrk="1" hangingPunct="1">
+                        <a:lnSpc>
+                          <a:spcPct val="100000"/>
+                        </a:lnSpc>
+                        <a:spcBef>
+                          <a:spcPts val="0"/>
+                        </a:spcBef>
+                        <a:spcAft>
+                          <a:spcPts val="0"/>
+                        </a:spcAft>
+                        <a:buClrTx/>
+                        <a:buSzTx/>
+                        <a:buFontTx/>
+                        <a:buNone/>
+                        <a:tabLst/>
+                        <a:defRPr/>
+                      </a:pPr>
+                      <a:r>
+                        <a:rPr lang="ko-KR" altLang="en-US" sz="1000" smtClean="0"/>
+                        <a:t>실제 관리자</a:t>
+                      </a:r>
+                      <a:endParaRPr lang="ko-KR" altLang="en-US" sz="1000"/>
+                    </a:p>
+                  </a:txBody>
+                  <a:tcPr/>
+                </a:tc>
+              </a:tr>
+              <a:tr h="179990">
+                <a:tc>
+                  <a:txBody>
+                    <a:bodyPr/>
+                    <a:lstStyle/>
+                    <a:p>
+                      <a:pPr latinLnBrk="1"/>
+                      <a:r>
+                        <a:rPr lang="en-US" altLang="ko-KR" sz="1000" smtClean="0"/>
+                        <a:t>tester</a:t>
+                      </a:r>
+                      <a:endParaRPr lang="ko-KR" altLang="en-US" sz="1000"/>
+                    </a:p>
+                  </a:txBody>
+                  <a:tcPr/>
+                </a:tc>
+                <a:tc>
+                  <a:txBody>
+                    <a:bodyPr/>
+                    <a:lstStyle/>
+                    <a:p>
+                      <a:pPr latinLnBrk="1"/>
+                      <a:r>
+                        <a:rPr lang="en-US" altLang="ko-KR" sz="1000" smtClean="0"/>
+                        <a:t>12345</a:t>
+                      </a:r>
+                      <a:endParaRPr lang="ko-KR" altLang="en-US" sz="1000"/>
+                    </a:p>
+                  </a:txBody>
+                  <a:tcPr/>
+                </a:tc>
+                <a:tc>
+                  <a:txBody>
+                    <a:bodyPr/>
+                    <a:lstStyle/>
+                    <a:p>
+                      <a:pPr latinLnBrk="1"/>
+                      <a:r>
+                        <a:rPr lang="ko-KR" altLang="en-US" sz="1000" smtClean="0"/>
+                        <a:t>관리자</a:t>
+                      </a:r>
+                      <a:endParaRPr lang="ko-KR" altLang="en-US" sz="1000"/>
+                    </a:p>
+                  </a:txBody>
+                  <a:tcPr/>
+                </a:tc>
+                <a:tc>
+                  <a:txBody>
+                    <a:bodyPr/>
+                    <a:lstStyle/>
+                    <a:p>
+                      <a:pPr latinLnBrk="1"/>
+                      <a:r>
+                        <a:rPr lang="ko-KR" altLang="en-US" sz="1000" smtClean="0"/>
+                        <a:t>방문객 테스트 관리자</a:t>
+                      </a:r>
+                      <a:endParaRPr lang="ko-KR" altLang="en-US" sz="1000"/>
+                    </a:p>
+                  </a:txBody>
+                  <a:tcPr/>
+                </a:tc>
+              </a:tr>
+              <a:tr h="179990">
+                <a:tc>
+                  <a:txBody>
+                    <a:bodyPr/>
+                    <a:lstStyle/>
+                    <a:p>
+                      <a:pPr latinLnBrk="1"/>
+                      <a:r>
+                        <a:rPr lang="en-US" altLang="ko-KR" sz="1000" smtClean="0"/>
+                        <a:t>guest</a:t>
+                      </a:r>
+                      <a:endParaRPr lang="ko-KR" altLang="en-US" sz="1000"/>
+                    </a:p>
+                  </a:txBody>
+                  <a:tcPr/>
+                </a:tc>
+                <a:tc>
+                  <a:txBody>
+                    <a:bodyPr/>
+                    <a:lstStyle/>
+                    <a:p>
+                      <a:pPr latinLnBrk="1"/>
+                      <a:r>
+                        <a:rPr lang="en-US" altLang="ko-KR" sz="1000" smtClean="0"/>
+                        <a:t>12345</a:t>
+                      </a:r>
+                      <a:endParaRPr lang="ko-KR" altLang="en-US" sz="1000"/>
+                    </a:p>
+                  </a:txBody>
+                  <a:tcPr/>
+                </a:tc>
+                <a:tc>
+                  <a:txBody>
+                    <a:bodyPr/>
+                    <a:lstStyle/>
+                    <a:p>
+                      <a:pPr latinLnBrk="1"/>
+                      <a:r>
+                        <a:rPr lang="ko-KR" altLang="en-US" sz="1000" smtClean="0"/>
+                        <a:t>사용자</a:t>
+                      </a:r>
+                      <a:endParaRPr lang="ko-KR" altLang="en-US" sz="1000"/>
+                    </a:p>
+                  </a:txBody>
+                  <a:tcPr/>
+                </a:tc>
+                <a:tc>
+                  <a:txBody>
+                    <a:bodyPr/>
+                    <a:lstStyle/>
+                    <a:p>
+                      <a:pPr latinLnBrk="1"/>
+                      <a:r>
+                        <a:rPr lang="ko-KR" altLang="en-US" sz="1000" smtClean="0"/>
+                        <a:t>방문객 테스트 사용자</a:t>
+                      </a:r>
+                      <a:endParaRPr lang="ko-KR" altLang="en-US" sz="1000"/>
+                    </a:p>
+                  </a:txBody>
+                  <a:tcPr/>
+                </a:tc>
+              </a:tr>
+              <a:tr h="292483">
+                <a:tc>
+                  <a:txBody>
+                    <a:bodyPr/>
+                    <a:lstStyle/>
+                    <a:p>
+                      <a:pPr latinLnBrk="1"/>
+                      <a:r>
+                        <a:rPr lang="en-US" altLang="ko-KR" sz="1000" smtClean="0"/>
+                        <a:t>naiyumie</a:t>
+                      </a:r>
+                      <a:endParaRPr lang="ko-KR" altLang="en-US" sz="1000"/>
+                    </a:p>
+                  </a:txBody>
+                  <a:tcPr/>
+                </a:tc>
+                <a:tc>
+                  <a:txBody>
+                    <a:bodyPr/>
+                    <a:lstStyle/>
+                    <a:p>
+                      <a:pPr latinLnBrk="1"/>
+                      <a:r>
+                        <a:rPr lang="en-US" altLang="ko-KR" sz="1000" smtClean="0"/>
+                        <a:t>12345</a:t>
+                      </a:r>
+                      <a:endParaRPr lang="ko-KR" altLang="en-US" sz="1000"/>
+                    </a:p>
+                  </a:txBody>
+                  <a:tcPr/>
+                </a:tc>
+                <a:tc>
+                  <a:txBody>
+                    <a:bodyPr/>
+                    <a:lstStyle/>
+                    <a:p>
+                      <a:pPr latinLnBrk="1"/>
+                      <a:r>
+                        <a:rPr lang="ko-KR" altLang="en-US" sz="1000" smtClean="0"/>
+                        <a:t>사용자</a:t>
+                      </a:r>
+                      <a:endParaRPr lang="ko-KR" altLang="en-US" sz="1000"/>
+                    </a:p>
+                  </a:txBody>
+                  <a:tcPr/>
+                </a:tc>
+                <a:tc>
+                  <a:txBody>
+                    <a:bodyPr/>
+                    <a:lstStyle/>
+                    <a:p>
+                      <a:pPr marL="0" marR="0" indent="0" algn="l" defTabSz="914400" rtl="0" eaLnBrk="1" fontAlgn="auto" latinLnBrk="1" hangingPunct="1">
+                        <a:lnSpc>
+                          <a:spcPct val="100000"/>
+                        </a:lnSpc>
+                        <a:spcBef>
+                          <a:spcPts val="0"/>
+                        </a:spcBef>
+                        <a:spcAft>
+                          <a:spcPts val="0"/>
+                        </a:spcAft>
+                        <a:buClrTx/>
+                        <a:buSzTx/>
+                        <a:buFontTx/>
+                        <a:buNone/>
+                        <a:tabLst/>
+                        <a:defRPr/>
+                      </a:pPr>
+                      <a:r>
+                        <a:rPr lang="ko-KR" altLang="en-US" sz="1000" smtClean="0"/>
+                        <a:t>실제 사용자</a:t>
+                      </a:r>
+                      <a:endParaRPr lang="ko-KR" altLang="en-US" sz="1000"/>
+                    </a:p>
+                  </a:txBody>
+                  <a:tcPr/>
+                </a:tc>
+              </a:tr>
+            </a:tbl>
+          </a:graphicData>
+        </a:graphic>
+      </p:graphicFrame>
     </p:spTree>
     <p:extLst>
       <p:ext uri="{BB962C8B-B14F-4D97-AF65-F5344CB8AC3E}">
@@ -17991,33 +19622,160 @@
           <a:p>
             <a:r>
               <a:rPr lang="en-US" altLang="ko-KR" smtClean="0"/>
-              <a:t>3. Apache </a:t>
+              <a:t>2.4 CI</a:t>
             </a:r>
             <a:r>
               <a:rPr lang="ko-KR" altLang="en-US" smtClean="0"/>
-              <a:t>설정</a:t>
+              <a:t>용 계정을 생성한다</a:t>
+            </a:r>
+            <a:r>
+              <a:rPr lang="en-US" altLang="ko-KR" smtClean="0"/>
+              <a:t>.#1</a:t>
             </a:r>
             <a:endParaRPr lang="ko-KR" altLang="en-US"/>
           </a:p>
         </p:txBody>
       </p:sp>
+      <p:sp>
+        <p:nvSpPr>
+          <p:cNvPr id="5" name="TextBox 4"/>
+          <p:cNvSpPr txBox="1"/>
+          <p:nvPr/>
+        </p:nvSpPr>
+        <p:spPr>
+          <a:xfrm>
+            <a:off x="957306" y="751438"/>
+            <a:ext cx="9418412" cy="830997"/>
+          </a:xfrm>
+          <a:prstGeom prst="rect">
+            <a:avLst/>
+          </a:prstGeom>
+          <a:noFill/>
+        </p:spPr>
+        <p:txBody>
+          <a:bodyPr wrap="none" rtlCol="0">
+            <a:spAutoFit/>
+          </a:bodyPr>
+          <a:lstStyle/>
+          <a:p>
+            <a:r>
+              <a:rPr lang="ko-KR" altLang="en-US" sz="1200" smtClean="0"/>
+              <a:t>접속을 </a:t>
+            </a:r>
+            <a:r>
+              <a:rPr lang="en-US" altLang="ko-KR" sz="1200" smtClean="0"/>
+              <a:t>root</a:t>
+            </a:r>
+            <a:r>
+              <a:rPr lang="ko-KR" altLang="en-US" sz="1200" smtClean="0"/>
+              <a:t>로 하게된다면 보안에 문제가 있으므로 </a:t>
+            </a:r>
+            <a:r>
+              <a:rPr lang="en-US" altLang="ko-KR" sz="1200" smtClean="0"/>
+              <a:t>CI</a:t>
+            </a:r>
+            <a:r>
+              <a:rPr lang="ko-KR" altLang="en-US" sz="1200" smtClean="0"/>
+              <a:t>용 계정을 생성한다</a:t>
+            </a:r>
+            <a:r>
+              <a:rPr lang="en-US" altLang="ko-KR" sz="1200" smtClean="0"/>
+              <a:t>. </a:t>
+            </a:r>
+            <a:r>
+              <a:rPr lang="ko-KR" altLang="en-US" sz="1200" smtClean="0"/>
+              <a:t>아래와 같이 전체적 권한이 </a:t>
+            </a:r>
+            <a:r>
+              <a:rPr lang="en-US" altLang="ko-KR" sz="1200" smtClean="0"/>
+              <a:t>USAGE</a:t>
+            </a:r>
+            <a:r>
+              <a:rPr lang="ko-KR" altLang="en-US" sz="1200" smtClean="0"/>
+              <a:t>로 되어있어야 안전하다</a:t>
+            </a:r>
+            <a:r>
+              <a:rPr lang="en-US" altLang="ko-KR" sz="1200" smtClean="0"/>
+              <a:t>. </a:t>
+            </a:r>
+          </a:p>
+          <a:p>
+            <a:r>
+              <a:rPr lang="ko-KR" altLang="en-US" sz="1200" smtClean="0"/>
+              <a:t>호스팅을 사용할 경우 같은 세팅할 필요 없다</a:t>
+            </a:r>
+            <a:r>
+              <a:rPr lang="en-US" altLang="ko-KR" sz="1200" smtClean="0"/>
+              <a:t>.</a:t>
+            </a:r>
+          </a:p>
+          <a:p>
+            <a:endParaRPr lang="en-US" altLang="ko-KR" sz="1200" smtClean="0"/>
+          </a:p>
+          <a:p>
+            <a:endParaRPr lang="ko-KR" altLang="en-US" sz="1200"/>
+          </a:p>
+        </p:txBody>
+      </p:sp>
+      <p:pic>
+        <p:nvPicPr>
+          <p:cNvPr id="1029" name="Picture 5"/>
+          <p:cNvPicPr>
+            <a:picLocks noChangeAspect="1" noChangeArrowheads="1"/>
+          </p:cNvPicPr>
+          <p:nvPr/>
+        </p:nvPicPr>
+        <p:blipFill>
+          <a:blip r:embed="rId2">
+            <a:extLst>
+              <a:ext uri="{28A0092B-C50C-407E-A947-70E740481C1C}">
+                <a14:useLocalDpi xmlns:a14="http://schemas.microsoft.com/office/drawing/2010/main" val="0"/>
+              </a:ext>
+            </a:extLst>
+          </a:blip>
+          <a:srcRect/>
+          <a:stretch>
+            <a:fillRect/>
+          </a:stretch>
+        </p:blipFill>
+        <p:spPr bwMode="auto">
+          <a:xfrm>
+            <a:off x="1110311" y="1397769"/>
+            <a:ext cx="4933950" cy="752475"/>
+          </a:xfrm>
+          <a:prstGeom prst="rect">
+            <a:avLst/>
+          </a:prstGeom>
+          <a:noFill/>
+          <a:ln w="9525">
+            <a:solidFill>
+              <a:schemeClr val="tx1"/>
+            </a:solidFill>
+            <a:miter lim="800000"/>
+            <a:headEnd/>
+            <a:tailEnd/>
+          </a:ln>
+          <a:extLst>
+            <a:ext uri="{909E8E84-426E-40DD-AFC4-6F175D3DCCD1}">
+              <a14:hiddenFill xmlns:a14="http://schemas.microsoft.com/office/drawing/2010/main">
+                <a:solidFill>
+                  <a:schemeClr val="accent1"/>
+                </a:solidFill>
+              </a14:hiddenFill>
+            </a:ext>
+          </a:extLst>
+        </p:spPr>
+      </p:pic>
     </p:spTree>
     <p:extLst>
       <p:ext uri="{BB962C8B-B14F-4D97-AF65-F5344CB8AC3E}">
-        <p14:creationId xmlns:p14="http://schemas.microsoft.com/office/powerpoint/2010/main" val="3108382241"/>
+        <p14:creationId xmlns:p14="http://schemas.microsoft.com/office/powerpoint/2010/main" val="4117475949"/>
       </p:ext>
     </p:extLst>
   </p:cSld>
   <p:clrMapOvr>
     <a:masterClrMapping/>
   </p:clrMapOvr>
-  <p:timing>
-    <p:tnLst>
-      <p:par>
-        <p:cTn id="1" dur="indefinite" restart="never" nodeType="tmRoot"/>
-      </p:par>
-    </p:tnLst>
-  </p:timing>
 </p:sld>
 </file>
 
@@ -18344,7 +20102,7 @@
   <a:extraClrSchemeLst/>
   <a:extLst>
     <a:ext uri="{05A4C25C-085E-4340-85A3-A5531E510DB2}">
-      <thm15:themeFamily xmlns:thm15="http://schemas.microsoft.com/office/thememl/2012/main" xmlns="" name="Office Theme" id="{62F939B6-93AF-4DB8-9C6B-D6C7DFDC589F}" vid="{4A3C46E8-61CC-4603-A589-7422A47A8E4A}"/>
+      <thm15:themeFamily xmlns="" xmlns:thm15="http://schemas.microsoft.com/office/thememl/2012/main" name="Office Theme" id="{62F939B6-93AF-4DB8-9C6B-D6C7DFDC589F}" vid="{4A3C46E8-61CC-4603-A589-7422A47A8E4A}"/>
     </a:ext>
   </a:extLst>
 </a:theme>
@@ -18605,7 +20363,7 @@
   <a:extraClrSchemeLst/>
   <a:extLst>
     <a:ext uri="{05A4C25C-085E-4340-85A3-A5531E510DB2}">
-      <thm15:themeFamily xmlns:thm15="http://schemas.microsoft.com/office/thememl/2012/main" xmlns="" name="Office Theme" id="{62F939B6-93AF-4DB8-9C6B-D6C7DFDC589F}" vid="{4A3C46E8-61CC-4603-A589-7422A47A8E4A}"/>
+      <thm15:themeFamily xmlns="" xmlns:thm15="http://schemas.microsoft.com/office/thememl/2012/main" name="Office Theme" id="{62F939B6-93AF-4DB8-9C6B-D6C7DFDC589F}" vid="{4A3C46E8-61CC-4603-A589-7422A47A8E4A}"/>
     </a:ext>
   </a:extLst>
 </a:theme>

--- a/ref/00.architect/04. install guide(설치 가이드).pptx
+++ b/ref/00.architect/04. install guide(설치 가이드).pptx
@@ -26,7 +26,7 @@
     <p:sldId id="334" r:id="rId17"/>
   </p:sldIdLst>
   <p:sldSz cx="12192000" cy="6858000"/>
-  <p:notesSz cx="9144000" cy="6858000"/>
+  <p:notesSz cx="10234613" cy="7099300"/>
   <p:defaultTextStyle>
     <a:defPPr>
       <a:defRPr lang="ko-KR"/>
@@ -168,17 +168,17 @@
         <p:spPr>
           <a:xfrm>
             <a:off x="0" y="0"/>
-            <a:ext cx="3962400" cy="344091"/>
+            <a:ext cx="4434999" cy="356198"/>
           </a:xfrm>
           <a:prstGeom prst="rect">
             <a:avLst/>
           </a:prstGeom>
         </p:spPr>
         <p:txBody>
-          <a:bodyPr vert="horz" lIns="91440" tIns="45720" rIns="91440" bIns="45720" rtlCol="0"/>
+          <a:bodyPr vert="horz" lIns="99048" tIns="49524" rIns="99048" bIns="49524" rtlCol="0"/>
           <a:lstStyle>
             <a:lvl1pPr algn="l">
-              <a:defRPr sz="1200"/>
+              <a:defRPr sz="1300"/>
             </a:lvl1pPr>
           </a:lstStyle>
           <a:p>
@@ -198,18 +198,18 @@
         </p:nvSpPr>
         <p:spPr>
           <a:xfrm>
-            <a:off x="5179484" y="0"/>
-            <a:ext cx="3962400" cy="344091"/>
+            <a:off x="5797246" y="0"/>
+            <a:ext cx="4434999" cy="356198"/>
           </a:xfrm>
           <a:prstGeom prst="rect">
             <a:avLst/>
           </a:prstGeom>
         </p:spPr>
         <p:txBody>
-          <a:bodyPr vert="horz" lIns="91440" tIns="45720" rIns="91440" bIns="45720" rtlCol="0"/>
+          <a:bodyPr vert="horz" lIns="99048" tIns="49524" rIns="99048" bIns="49524" rtlCol="0"/>
           <a:lstStyle>
             <a:lvl1pPr algn="r">
-              <a:defRPr sz="1200"/>
+              <a:defRPr sz="1300"/>
             </a:lvl1pPr>
           </a:lstStyle>
           <a:p>
@@ -233,8 +233,8 @@
         </p:nvSpPr>
         <p:spPr>
           <a:xfrm>
-            <a:off x="2514600" y="857250"/>
-            <a:ext cx="4114800" cy="2314575"/>
+            <a:off x="2987675" y="887413"/>
+            <a:ext cx="4259263" cy="2395537"/>
           </a:xfrm>
           <a:prstGeom prst="rect">
             <a:avLst/>
@@ -247,7 +247,7 @@
           </a:ln>
         </p:spPr>
         <p:txBody>
-          <a:bodyPr vert="horz" lIns="91440" tIns="45720" rIns="91440" bIns="45720" rtlCol="0" anchor="ctr"/>
+          <a:bodyPr vert="horz" lIns="99048" tIns="49524" rIns="99048" bIns="49524" rtlCol="0" anchor="ctr"/>
           <a:lstStyle/>
           <a:p>
             <a:endParaRPr lang="ko-KR" altLang="en-US"/>
@@ -266,15 +266,15 @@
         </p:nvSpPr>
         <p:spPr>
           <a:xfrm>
-            <a:off x="914400" y="3300412"/>
-            <a:ext cx="7315200" cy="2700338"/>
+            <a:off x="1023462" y="3416538"/>
+            <a:ext cx="8187690" cy="2795350"/>
           </a:xfrm>
           <a:prstGeom prst="rect">
             <a:avLst/>
           </a:prstGeom>
         </p:spPr>
         <p:txBody>
-          <a:bodyPr vert="horz" lIns="91440" tIns="45720" rIns="91440" bIns="45720" rtlCol="0"/>
+          <a:bodyPr vert="horz" lIns="99048" tIns="49524" rIns="99048" bIns="49524" rtlCol="0"/>
           <a:lstStyle/>
           <a:p>
             <a:pPr lvl="0"/>
@@ -326,18 +326,18 @@
         </p:nvSpPr>
         <p:spPr>
           <a:xfrm>
-            <a:off x="0" y="6513910"/>
-            <a:ext cx="3962400" cy="344090"/>
+            <a:off x="0" y="6743103"/>
+            <a:ext cx="4434999" cy="356197"/>
           </a:xfrm>
           <a:prstGeom prst="rect">
             <a:avLst/>
           </a:prstGeom>
         </p:spPr>
         <p:txBody>
-          <a:bodyPr vert="horz" lIns="91440" tIns="45720" rIns="91440" bIns="45720" rtlCol="0" anchor="b"/>
+          <a:bodyPr vert="horz" lIns="99048" tIns="49524" rIns="99048" bIns="49524" rtlCol="0" anchor="b"/>
           <a:lstStyle>
             <a:lvl1pPr algn="l">
-              <a:defRPr sz="1200"/>
+              <a:defRPr sz="1300"/>
             </a:lvl1pPr>
           </a:lstStyle>
           <a:p>
@@ -357,18 +357,18 @@
         </p:nvSpPr>
         <p:spPr>
           <a:xfrm>
-            <a:off x="5179484" y="6513910"/>
-            <a:ext cx="3962400" cy="344090"/>
+            <a:off x="5797246" y="6743103"/>
+            <a:ext cx="4434999" cy="356197"/>
           </a:xfrm>
           <a:prstGeom prst="rect">
             <a:avLst/>
           </a:prstGeom>
         </p:spPr>
         <p:txBody>
-          <a:bodyPr vert="horz" lIns="91440" tIns="45720" rIns="91440" bIns="45720" rtlCol="0" anchor="b"/>
+          <a:bodyPr vert="horz" lIns="99048" tIns="49524" rIns="99048" bIns="49524" rtlCol="0" anchor="b"/>
           <a:lstStyle>
             <a:lvl1pPr algn="r">
-              <a:defRPr sz="1200"/>
+              <a:defRPr sz="1300"/>
             </a:lvl1pPr>
           </a:lstStyle>
           <a:p>
@@ -4071,210 +4071,6 @@
           <a:chExt cx="0" cy="0"/>
         </a:xfrm>
       </p:grpSpPr>
-      <p:sp>
-        <p:nvSpPr>
-          <p:cNvPr id="3" name="TextBox 2"/>
-          <p:cNvSpPr txBox="1">
-            <a:spLocks noChangeArrowheads="1"/>
-          </p:cNvSpPr>
-          <p:nvPr/>
-        </p:nvSpPr>
-        <p:spPr bwMode="auto">
-          <a:xfrm>
-            <a:off x="965412" y="2817514"/>
-            <a:ext cx="10464587" cy="369888"/>
-          </a:xfrm>
-          <a:prstGeom prst="rect">
-            <a:avLst/>
-          </a:prstGeom>
-          <a:noFill/>
-          <a:ln>
-            <a:noFill/>
-          </a:ln>
-          <a:extLst>
-            <a:ext uri="{909E8E84-426E-40DD-AFC4-6F175D3DCCD1}">
-              <a14:hiddenFill xmlns:a14="http://schemas.microsoft.com/office/drawing/2010/main">
-                <a:solidFill>
-                  <a:srgbClr val="FFFFFF"/>
-                </a:solidFill>
-              </a14:hiddenFill>
-            </a:ext>
-            <a:ext uri="{91240B29-F687-4F45-9708-019B960494DF}">
-              <a14:hiddenLine xmlns:a14="http://schemas.microsoft.com/office/drawing/2010/main" w="9525">
-                <a:solidFill>
-                  <a:srgbClr val="000000"/>
-                </a:solidFill>
-                <a:miter lim="800000"/>
-                <a:headEnd/>
-                <a:tailEnd/>
-              </a14:hiddenLine>
-            </a:ext>
-          </a:extLst>
-        </p:spPr>
-        <p:txBody>
-          <a:bodyPr wrap="square">
-            <a:spAutoFit/>
-          </a:bodyPr>
-          <a:lstStyle>
-            <a:lvl1pPr latinLnBrk="1">
-              <a:spcBef>
-                <a:spcPct val="20000"/>
-              </a:spcBef>
-              <a:buFont typeface="Arial" panose="020B0604020202020204" pitchFamily="34" charset="0"/>
-              <a:buChar char="•"/>
-              <a:defRPr sz="3200">
-                <a:solidFill>
-                  <a:schemeClr val="tx1"/>
-                </a:solidFill>
-                <a:latin typeface="맑은 고딕" panose="020B0503020000020004" pitchFamily="50" charset="-127"/>
-                <a:ea typeface="맑은 고딕" panose="020B0503020000020004" pitchFamily="50" charset="-127"/>
-              </a:defRPr>
-            </a:lvl1pPr>
-            <a:lvl2pPr marL="742950" indent="-285750" latinLnBrk="1">
-              <a:spcBef>
-                <a:spcPct val="20000"/>
-              </a:spcBef>
-              <a:buFont typeface="Arial" panose="020B0604020202020204" pitchFamily="34" charset="0"/>
-              <a:buChar char="–"/>
-              <a:defRPr sz="2800">
-                <a:solidFill>
-                  <a:schemeClr val="tx1"/>
-                </a:solidFill>
-                <a:latin typeface="맑은 고딕" panose="020B0503020000020004" pitchFamily="50" charset="-127"/>
-                <a:ea typeface="맑은 고딕" panose="020B0503020000020004" pitchFamily="50" charset="-127"/>
-              </a:defRPr>
-            </a:lvl2pPr>
-            <a:lvl3pPr marL="1143000" indent="-228600" latinLnBrk="1">
-              <a:spcBef>
-                <a:spcPct val="20000"/>
-              </a:spcBef>
-              <a:buFont typeface="Arial" panose="020B0604020202020204" pitchFamily="34" charset="0"/>
-              <a:buChar char="•"/>
-              <a:defRPr sz="2400">
-                <a:solidFill>
-                  <a:schemeClr val="tx1"/>
-                </a:solidFill>
-                <a:latin typeface="맑은 고딕" panose="020B0503020000020004" pitchFamily="50" charset="-127"/>
-                <a:ea typeface="맑은 고딕" panose="020B0503020000020004" pitchFamily="50" charset="-127"/>
-              </a:defRPr>
-            </a:lvl3pPr>
-            <a:lvl4pPr marL="1600200" indent="-228600" latinLnBrk="1">
-              <a:spcBef>
-                <a:spcPct val="20000"/>
-              </a:spcBef>
-              <a:buFont typeface="Arial" panose="020B0604020202020204" pitchFamily="34" charset="0"/>
-              <a:buChar char="–"/>
-              <a:defRPr sz="2000">
-                <a:solidFill>
-                  <a:schemeClr val="tx1"/>
-                </a:solidFill>
-                <a:latin typeface="맑은 고딕" panose="020B0503020000020004" pitchFamily="50" charset="-127"/>
-                <a:ea typeface="맑은 고딕" panose="020B0503020000020004" pitchFamily="50" charset="-127"/>
-              </a:defRPr>
-            </a:lvl4pPr>
-            <a:lvl5pPr marL="2057400" indent="-228600" latinLnBrk="1">
-              <a:spcBef>
-                <a:spcPct val="20000"/>
-              </a:spcBef>
-              <a:buFont typeface="Arial" panose="020B0604020202020204" pitchFamily="34" charset="0"/>
-              <a:buChar char="»"/>
-              <a:defRPr sz="2000">
-                <a:solidFill>
-                  <a:schemeClr val="tx1"/>
-                </a:solidFill>
-                <a:latin typeface="맑은 고딕" panose="020B0503020000020004" pitchFamily="50" charset="-127"/>
-                <a:ea typeface="맑은 고딕" panose="020B0503020000020004" pitchFamily="50" charset="-127"/>
-              </a:defRPr>
-            </a:lvl5pPr>
-            <a:lvl6pPr marL="2514600" indent="-228600" eaLnBrk="0" fontAlgn="base" hangingPunct="0">
-              <a:spcBef>
-                <a:spcPct val="20000"/>
-              </a:spcBef>
-              <a:spcAft>
-                <a:spcPct val="0"/>
-              </a:spcAft>
-              <a:buFont typeface="Arial" panose="020B0604020202020204" pitchFamily="34" charset="0"/>
-              <a:buChar char="»"/>
-              <a:defRPr sz="2000">
-                <a:solidFill>
-                  <a:schemeClr val="tx1"/>
-                </a:solidFill>
-                <a:latin typeface="맑은 고딕" panose="020B0503020000020004" pitchFamily="50" charset="-127"/>
-                <a:ea typeface="맑은 고딕" panose="020B0503020000020004" pitchFamily="50" charset="-127"/>
-              </a:defRPr>
-            </a:lvl6pPr>
-            <a:lvl7pPr marL="2971800" indent="-228600" eaLnBrk="0" fontAlgn="base" hangingPunct="0">
-              <a:spcBef>
-                <a:spcPct val="20000"/>
-              </a:spcBef>
-              <a:spcAft>
-                <a:spcPct val="0"/>
-              </a:spcAft>
-              <a:buFont typeface="Arial" panose="020B0604020202020204" pitchFamily="34" charset="0"/>
-              <a:buChar char="»"/>
-              <a:defRPr sz="2000">
-                <a:solidFill>
-                  <a:schemeClr val="tx1"/>
-                </a:solidFill>
-                <a:latin typeface="맑은 고딕" panose="020B0503020000020004" pitchFamily="50" charset="-127"/>
-                <a:ea typeface="맑은 고딕" panose="020B0503020000020004" pitchFamily="50" charset="-127"/>
-              </a:defRPr>
-            </a:lvl7pPr>
-            <a:lvl8pPr marL="3429000" indent="-228600" eaLnBrk="0" fontAlgn="base" hangingPunct="0">
-              <a:spcBef>
-                <a:spcPct val="20000"/>
-              </a:spcBef>
-              <a:spcAft>
-                <a:spcPct val="0"/>
-              </a:spcAft>
-              <a:buFont typeface="Arial" panose="020B0604020202020204" pitchFamily="34" charset="0"/>
-              <a:buChar char="»"/>
-              <a:defRPr sz="2000">
-                <a:solidFill>
-                  <a:schemeClr val="tx1"/>
-                </a:solidFill>
-                <a:latin typeface="맑은 고딕" panose="020B0503020000020004" pitchFamily="50" charset="-127"/>
-                <a:ea typeface="맑은 고딕" panose="020B0503020000020004" pitchFamily="50" charset="-127"/>
-              </a:defRPr>
-            </a:lvl8pPr>
-            <a:lvl9pPr marL="3886200" indent="-228600" eaLnBrk="0" fontAlgn="base" hangingPunct="0">
-              <a:spcBef>
-                <a:spcPct val="20000"/>
-              </a:spcBef>
-              <a:spcAft>
-                <a:spcPct val="0"/>
-              </a:spcAft>
-              <a:buFont typeface="Arial" panose="020B0604020202020204" pitchFamily="34" charset="0"/>
-              <a:buChar char="»"/>
-              <a:defRPr sz="2000">
-                <a:solidFill>
-                  <a:schemeClr val="tx1"/>
-                </a:solidFill>
-                <a:latin typeface="맑은 고딕" panose="020B0503020000020004" pitchFamily="50" charset="-127"/>
-                <a:ea typeface="맑은 고딕" panose="020B0503020000020004" pitchFamily="50" charset="-127"/>
-              </a:defRPr>
-            </a:lvl9pPr>
-          </a:lstStyle>
-          <a:p>
-            <a:pPr algn="ctr" eaLnBrk="1" hangingPunct="1">
-              <a:spcBef>
-                <a:spcPct val="0"/>
-              </a:spcBef>
-              <a:buFontTx/>
-              <a:buNone/>
-            </a:pPr>
-            <a:r>
-              <a:rPr lang="en-US" altLang="ko-KR" sz="1800"/>
-              <a:t>(</a:t>
-            </a:r>
-            <a:r>
-              <a:rPr lang="en-US" altLang="ko-KR" sz="1800" smtClean="0"/>
-              <a:t>2015. 01. 05)</a:t>
-            </a:r>
-            <a:endParaRPr lang="ko-KR" altLang="en-US" sz="1800"/>
-          </a:p>
-        </p:txBody>
-      </p:sp>
     </p:spTree>
     <p:extLst>
       <p:ext uri="{BB962C8B-B14F-4D97-AF65-F5344CB8AC3E}">
